--- a/Alcivar, Rojas Presentacion_Proyecto_EV_MATLAB.pptx
+++ b/Alcivar, Rojas Presentacion_Proyecto_EV_MATLAB.pptx
@@ -5,7 +5,7 @@
     <p:sldMasterId id="2147483648" r:id="rId1"/>
   </p:sldMasterIdLst>
   <p:notesMasterIdLst>
-    <p:notesMasterId r:id="rId15"/>
+    <p:notesMasterId r:id="rId17"/>
   </p:notesMasterIdLst>
   <p:sldIdLst>
     <p:sldId id="256" r:id="rId2"/>
@@ -13,14 +13,16 @@
     <p:sldId id="258" r:id="rId4"/>
     <p:sldId id="259" r:id="rId5"/>
     <p:sldId id="260" r:id="rId6"/>
-    <p:sldId id="261" r:id="rId7"/>
-    <p:sldId id="262" r:id="rId8"/>
-    <p:sldId id="263" r:id="rId9"/>
-    <p:sldId id="264" r:id="rId10"/>
-    <p:sldId id="265" r:id="rId11"/>
-    <p:sldId id="266" r:id="rId12"/>
-    <p:sldId id="267" r:id="rId13"/>
-    <p:sldId id="268" r:id="rId14"/>
+    <p:sldId id="270" r:id="rId7"/>
+    <p:sldId id="261" r:id="rId8"/>
+    <p:sldId id="271" r:id="rId9"/>
+    <p:sldId id="262" r:id="rId10"/>
+    <p:sldId id="272" r:id="rId11"/>
+    <p:sldId id="263" r:id="rId12"/>
+    <p:sldId id="264" r:id="rId13"/>
+    <p:sldId id="265" r:id="rId14"/>
+    <p:sldId id="266" r:id="rId15"/>
+    <p:sldId id="267" r:id="rId16"/>
   </p:sldIdLst>
   <p:sldSz cx="9144000" cy="5143500" type="screen16x9"/>
   <p:notesSz cx="5143500" cy="9144000"/>
@@ -412,7 +414,7 @@
           <a:p>
             <a:fld id="{F7021451-1387-4CA6-816F-3879F97B5CBC}" type="slidenum">
               <a:rPr lang="en-US"/>
-              <a:t>10</a:t>
+              <a:t>13</a:t>
             </a:fld>
             <a:endParaRPr lang="en-US"/>
           </a:p>
@@ -503,7 +505,7 @@
           <a:p>
             <a:fld id="{F7021451-1387-4CA6-816F-3879F97B5CBC}" type="slidenum">
               <a:rPr lang="en-US"/>
-              <a:t>11</a:t>
+              <a:t>14</a:t>
             </a:fld>
             <a:endParaRPr lang="en-US"/>
           </a:p>
@@ -594,98 +596,7 @@
           <a:p>
             <a:fld id="{F7021451-1387-4CA6-816F-3879F97B5CBC}" type="slidenum">
               <a:rPr lang="en-US"/>
-              <a:t>12</a:t>
-            </a:fld>
-            <a:endParaRPr lang="en-US"/>
-          </a:p>
-        </p:txBody>
-      </p:sp>
-    </p:spTree>
-    <p:extLst>
-      <p:ext uri="{BB962C8B-B14F-4D97-AF65-F5344CB8AC3E}">
-        <p14:creationId xmlns:p14="http://schemas.microsoft.com/office/powerpoint/2010/main" val="1024086991"/>
-      </p:ext>
-    </p:extLst>
-  </p:cSld>
-  <p:clrMapOvr>
-    <a:masterClrMapping/>
-  </p:clrMapOvr>
-</p:notes>
-</file>
-
-<file path=ppt/notesSlides/notesSlide13.xml><?xml version="1.0" encoding="utf-8"?>
-<p:notes xmlns:a="http://schemas.openxmlformats.org/drawingml/2006/main" xmlns:r="http://schemas.openxmlformats.org/officeDocument/2006/relationships" xmlns:p="http://schemas.openxmlformats.org/presentationml/2006/main">
-  <p:cSld>
-    <p:spTree>
-      <p:nvGrpSpPr>
-        <p:cNvPr id="1" name=""/>
-        <p:cNvGrpSpPr/>
-        <p:nvPr/>
-      </p:nvGrpSpPr>
-      <p:grpSpPr>
-        <a:xfrm>
-          <a:off x="0" y="0"/>
-          <a:ext cx="0" cy="0"/>
-          <a:chOff x="0" y="0"/>
-          <a:chExt cx="0" cy="0"/>
-        </a:xfrm>
-      </p:grpSpPr>
-      <p:sp>
-        <p:nvSpPr>
-          <p:cNvPr id="2" name="Slide Image Placeholder 1"/>
-          <p:cNvSpPr>
-            <a:spLocks noGrp="1" noRot="1" noChangeAspect="1"/>
-          </p:cNvSpPr>
-          <p:nvPr>
-            <p:ph type="sldImg"/>
-          </p:nvPr>
-        </p:nvSpPr>
-        <p:spPr/>
-        <p:txBody>
-          <a:bodyPr/>
-          <a:lstStyle/>
-          <a:p>
-            <a:endParaRPr lang="es-EC"/>
-          </a:p>
-        </p:txBody>
-      </p:sp>
-      <p:sp>
-        <p:nvSpPr>
-          <p:cNvPr id="3" name="Notes Placeholder 2"/>
-          <p:cNvSpPr>
-            <a:spLocks noGrp="1"/>
-          </p:cNvSpPr>
-          <p:nvPr>
-            <p:ph type="body" idx="1"/>
-          </p:nvPr>
-        </p:nvSpPr>
-        <p:spPr/>
-        <p:txBody>
-          <a:bodyPr/>
-          <a:lstStyle/>
-          <a:p>
-            <a:endParaRPr lang="en-US" dirty="0"/>
-          </a:p>
-        </p:txBody>
-      </p:sp>
-      <p:sp>
-        <p:nvSpPr>
-          <p:cNvPr id="4" name="Slide Number Placeholder 3"/>
-          <p:cNvSpPr>
-            <a:spLocks noGrp="1"/>
-          </p:cNvSpPr>
-          <p:nvPr>
-            <p:ph type="sldNum" sz="quarter" idx="10"/>
-          </p:nvPr>
-        </p:nvSpPr>
-        <p:spPr/>
-        <p:txBody>
-          <a:bodyPr/>
-          <a:lstStyle/>
-          <a:p>
-            <a:fld id="{F7021451-1387-4CA6-816F-3879F97B5CBC}" type="slidenum">
-              <a:rPr lang="en-US"/>
-              <a:t>13</a:t>
+              <a:t>15</a:t>
             </a:fld>
             <a:endParaRPr lang="en-US"/>
           </a:p>
@@ -1140,7 +1051,7 @@
           <a:p>
             <a:fld id="{F7021451-1387-4CA6-816F-3879F97B5CBC}" type="slidenum">
               <a:rPr lang="en-US"/>
-              <a:t>6</a:t>
+              <a:t>7</a:t>
             </a:fld>
             <a:endParaRPr lang="en-US"/>
           </a:p>
@@ -1231,7 +1142,7 @@
           <a:p>
             <a:fld id="{F7021451-1387-4CA6-816F-3879F97B5CBC}" type="slidenum">
               <a:rPr lang="en-US"/>
-              <a:t>7</a:t>
+              <a:t>9</a:t>
             </a:fld>
             <a:endParaRPr lang="en-US"/>
           </a:p>
@@ -1322,7 +1233,7 @@
           <a:p>
             <a:fld id="{F7021451-1387-4CA6-816F-3879F97B5CBC}" type="slidenum">
               <a:rPr lang="en-US"/>
-              <a:t>8</a:t>
+              <a:t>11</a:t>
             </a:fld>
             <a:endParaRPr lang="en-US"/>
           </a:p>
@@ -1413,7 +1324,7 @@
           <a:p>
             <a:fld id="{F7021451-1387-4CA6-816F-3879F97B5CBC}" type="slidenum">
               <a:rPr lang="en-US"/>
-              <a:t>9</a:t>
+              <a:t>12</a:t>
             </a:fld>
             <a:endParaRPr lang="en-US"/>
           </a:p>
@@ -1951,6 +1862,1713 @@
 
 <file path=ppt/slides/slide10.xml><?xml version="1.0" encoding="utf-8"?>
 <p:sld xmlns:a="http://schemas.openxmlformats.org/drawingml/2006/main" xmlns:r="http://schemas.openxmlformats.org/officeDocument/2006/relationships" xmlns:p="http://schemas.openxmlformats.org/presentationml/2006/main">
+  <p:cSld>
+    <p:bg>
+      <p:bgPr>
+        <a:solidFill>
+          <a:schemeClr val="bg1"/>
+        </a:solidFill>
+        <a:effectLst/>
+      </p:bgPr>
+    </p:bg>
+    <p:spTree>
+      <p:nvGrpSpPr>
+        <p:cNvPr id="1" name=""/>
+        <p:cNvGrpSpPr/>
+        <p:nvPr/>
+      </p:nvGrpSpPr>
+      <p:grpSpPr>
+        <a:xfrm>
+          <a:off x="0" y="0"/>
+          <a:ext cx="0" cy="0"/>
+          <a:chOff x="0" y="0"/>
+          <a:chExt cx="0" cy="0"/>
+        </a:xfrm>
+      </p:grpSpPr>
+      <p:sp>
+        <p:nvSpPr>
+          <p:cNvPr id="7" name="Rectangle 6">
+            <a:extLst>
+              <a:ext uri="{FF2B5EF4-FFF2-40B4-BE49-F238E27FC236}">
+                <a16:creationId xmlns:a16="http://schemas.microsoft.com/office/drawing/2014/main" id="{F3060C83-F051-4F0E-ABAD-AA0DFC48B218}"/>
+              </a:ext>
+              <a:ext uri="{C183D7F6-B498-43B3-948B-1728B52AA6E4}">
+                <adec:decorative xmlns:adec="http://schemas.microsoft.com/office/drawing/2017/decorative" val="1"/>
+              </a:ext>
+            </a:extLst>
+          </p:cNvPr>
+          <p:cNvSpPr>
+            <a:spLocks noGrp="1" noRot="1" noChangeAspect="1" noMove="1" noResize="1" noEditPoints="1" noAdjustHandles="1" noChangeArrowheads="1" noChangeShapeType="1" noTextEdit="1"/>
+          </p:cNvSpPr>
+          <p:nvPr>
+            <p:extLst>
+              <p:ext uri="{386F3935-93C4-4BCD-93E2-E3B085C9AB24}">
+                <p16:designElem xmlns:p16="http://schemas.microsoft.com/office/powerpoint/2015/main" val="1"/>
+              </p:ext>
+            </p:extLst>
+          </p:nvPr>
+        </p:nvSpPr>
+        <p:spPr>
+          <a:xfrm>
+            <a:off x="0" y="0"/>
+            <a:ext cx="9144000" cy="5143500"/>
+          </a:xfrm>
+          <a:prstGeom prst="rect">
+            <a:avLst/>
+          </a:prstGeom>
+          <a:solidFill>
+            <a:schemeClr val="bg1"/>
+          </a:solidFill>
+          <a:ln>
+            <a:noFill/>
+          </a:ln>
+        </p:spPr>
+        <p:style>
+          <a:lnRef idx="2">
+            <a:schemeClr val="accent1">
+              <a:shade val="50000"/>
+            </a:schemeClr>
+          </a:lnRef>
+          <a:fillRef idx="1">
+            <a:schemeClr val="accent1"/>
+          </a:fillRef>
+          <a:effectRef idx="0">
+            <a:schemeClr val="accent1"/>
+          </a:effectRef>
+          <a:fontRef idx="minor">
+            <a:schemeClr val="lt1"/>
+          </a:fontRef>
+        </p:style>
+        <p:txBody>
+          <a:bodyPr rtlCol="0" anchor="ctr"/>
+          <a:lstStyle/>
+          <a:p>
+            <a:pPr algn="ctr"/>
+            <a:endParaRPr lang="en-US" dirty="0"/>
+          </a:p>
+        </p:txBody>
+      </p:sp>
+      <p:sp>
+        <p:nvSpPr>
+          <p:cNvPr id="9" name="Freeform: Shape 8">
+            <a:extLst>
+              <a:ext uri="{FF2B5EF4-FFF2-40B4-BE49-F238E27FC236}">
+                <a16:creationId xmlns:a16="http://schemas.microsoft.com/office/drawing/2014/main" id="{83C98ABE-055B-441F-B07E-44F97F083C39}"/>
+              </a:ext>
+              <a:ext uri="{C183D7F6-B498-43B3-948B-1728B52AA6E4}">
+                <adec:decorative xmlns:adec="http://schemas.microsoft.com/office/drawing/2017/decorative" val="1"/>
+              </a:ext>
+            </a:extLst>
+          </p:cNvPr>
+          <p:cNvSpPr>
+            <a:spLocks noGrp="1" noRot="1" noChangeAspect="1" noMove="1" noResize="1" noEditPoints="1" noAdjustHandles="1" noChangeArrowheads="1" noChangeShapeType="1" noTextEdit="1"/>
+          </p:cNvSpPr>
+          <p:nvPr>
+            <p:extLst>
+              <p:ext uri="{386F3935-93C4-4BCD-93E2-E3B085C9AB24}">
+                <p16:designElem xmlns:p16="http://schemas.microsoft.com/office/powerpoint/2015/main" val="1"/>
+              </p:ext>
+            </p:extLst>
+          </p:nvPr>
+        </p:nvSpPr>
+        <p:spPr>
+          <a:xfrm rot="18900000" flipH="1">
+            <a:off x="-282117" y="-190252"/>
+            <a:ext cx="1370728" cy="1032741"/>
+          </a:xfrm>
+          <a:custGeom>
+            <a:avLst/>
+            <a:gdLst>
+              <a:gd name="connsiteX0" fmla="*/ 0 w 1827638"/>
+              <a:gd name="connsiteY0" fmla="*/ 987379 h 1376989"/>
+              <a:gd name="connsiteX1" fmla="*/ 987379 w 1827638"/>
+              <a:gd name="connsiteY1" fmla="*/ 0 h 1376989"/>
+              <a:gd name="connsiteX2" fmla="*/ 1827638 w 1827638"/>
+              <a:gd name="connsiteY2" fmla="*/ 840260 h 1376989"/>
+              <a:gd name="connsiteX3" fmla="*/ 1827638 w 1827638"/>
+              <a:gd name="connsiteY3" fmla="*/ 1376989 h 1376989"/>
+              <a:gd name="connsiteX4" fmla="*/ 0 w 1827638"/>
+              <a:gd name="connsiteY4" fmla="*/ 1376989 h 1376989"/>
+            </a:gdLst>
+            <a:ahLst/>
+            <a:cxnLst>
+              <a:cxn ang="0">
+                <a:pos x="connsiteX0" y="connsiteY0"/>
+              </a:cxn>
+              <a:cxn ang="0">
+                <a:pos x="connsiteX1" y="connsiteY1"/>
+              </a:cxn>
+              <a:cxn ang="0">
+                <a:pos x="connsiteX2" y="connsiteY2"/>
+              </a:cxn>
+              <a:cxn ang="0">
+                <a:pos x="connsiteX3" y="connsiteY3"/>
+              </a:cxn>
+              <a:cxn ang="0">
+                <a:pos x="connsiteX4" y="connsiteY4"/>
+              </a:cxn>
+            </a:cxnLst>
+            <a:rect l="l" t="t" r="r" b="b"/>
+            <a:pathLst>
+              <a:path w="1827638" h="1376989">
+                <a:moveTo>
+                  <a:pt x="0" y="987379"/>
+                </a:moveTo>
+                <a:lnTo>
+                  <a:pt x="987379" y="0"/>
+                </a:lnTo>
+                <a:lnTo>
+                  <a:pt x="1827638" y="840260"/>
+                </a:lnTo>
+                <a:lnTo>
+                  <a:pt x="1827638" y="1376989"/>
+                </a:lnTo>
+                <a:lnTo>
+                  <a:pt x="0" y="1376989"/>
+                </a:lnTo>
+                <a:close/>
+              </a:path>
+            </a:pathLst>
+          </a:custGeom>
+          <a:solidFill>
+            <a:schemeClr val="accent1">
+              <a:alpha val="30000"/>
+            </a:schemeClr>
+          </a:solidFill>
+          <a:ln>
+            <a:noFill/>
+          </a:ln>
+        </p:spPr>
+        <p:style>
+          <a:lnRef idx="2">
+            <a:schemeClr val="accent1">
+              <a:shade val="50000"/>
+            </a:schemeClr>
+          </a:lnRef>
+          <a:fillRef idx="1">
+            <a:schemeClr val="accent1"/>
+          </a:fillRef>
+          <a:effectRef idx="0">
+            <a:schemeClr val="accent1"/>
+          </a:effectRef>
+          <a:fontRef idx="minor">
+            <a:schemeClr val="lt1"/>
+          </a:fontRef>
+        </p:style>
+        <p:txBody>
+          <a:bodyPr rtlCol="0" anchor="ctr"/>
+          <a:lstStyle/>
+          <a:p>
+            <a:pPr algn="ctr"/>
+            <a:endParaRPr lang="en-US" dirty="0"/>
+          </a:p>
+        </p:txBody>
+      </p:sp>
+      <p:sp>
+        <p:nvSpPr>
+          <p:cNvPr id="11" name="Rectangle 10">
+            <a:extLst>
+              <a:ext uri="{FF2B5EF4-FFF2-40B4-BE49-F238E27FC236}">
+                <a16:creationId xmlns:a16="http://schemas.microsoft.com/office/drawing/2014/main" id="{29FDB030-9B49-4CED-8CCD-4D99382388AC}"/>
+              </a:ext>
+              <a:ext uri="{C183D7F6-B498-43B3-948B-1728B52AA6E4}">
+                <adec:decorative xmlns:adec="http://schemas.microsoft.com/office/drawing/2017/decorative" val="1"/>
+              </a:ext>
+            </a:extLst>
+          </p:cNvPr>
+          <p:cNvSpPr>
+            <a:spLocks noGrp="1" noRot="1" noChangeAspect="1" noMove="1" noResize="1" noEditPoints="1" noAdjustHandles="1" noChangeArrowheads="1" noChangeShapeType="1" noTextEdit="1"/>
+          </p:cNvSpPr>
+          <p:nvPr>
+            <p:extLst>
+              <p:ext uri="{386F3935-93C4-4BCD-93E2-E3B085C9AB24}">
+                <p16:designElem xmlns:p16="http://schemas.microsoft.com/office/powerpoint/2015/main" val="1"/>
+              </p:ext>
+            </p:extLst>
+          </p:nvPr>
+        </p:nvSpPr>
+        <p:spPr>
+          <a:xfrm rot="18900000" flipH="1">
+            <a:off x="668730" y="316609"/>
+            <a:ext cx="484026" cy="484026"/>
+          </a:xfrm>
+          <a:prstGeom prst="rect">
+            <a:avLst/>
+          </a:prstGeom>
+          <a:solidFill>
+            <a:schemeClr val="accent1">
+              <a:alpha val="30000"/>
+            </a:schemeClr>
+          </a:solidFill>
+          <a:ln>
+            <a:noFill/>
+          </a:ln>
+        </p:spPr>
+        <p:style>
+          <a:lnRef idx="2">
+            <a:schemeClr val="accent1">
+              <a:shade val="50000"/>
+            </a:schemeClr>
+          </a:lnRef>
+          <a:fillRef idx="1">
+            <a:schemeClr val="accent1"/>
+          </a:fillRef>
+          <a:effectRef idx="0">
+            <a:schemeClr val="accent1"/>
+          </a:effectRef>
+          <a:fontRef idx="minor">
+            <a:schemeClr val="lt1"/>
+          </a:fontRef>
+        </p:style>
+        <p:txBody>
+          <a:bodyPr rtlCol="0" anchor="ctr"/>
+          <a:lstStyle/>
+          <a:p>
+            <a:pPr algn="ctr"/>
+            <a:endParaRPr lang="en-US"/>
+          </a:p>
+        </p:txBody>
+      </p:sp>
+      <p:sp>
+        <p:nvSpPr>
+          <p:cNvPr id="13" name="Rectangle 12">
+            <a:extLst>
+              <a:ext uri="{FF2B5EF4-FFF2-40B4-BE49-F238E27FC236}">
+                <a16:creationId xmlns:a16="http://schemas.microsoft.com/office/drawing/2014/main" id="{3783CA14-24A1-485C-8B30-D6A5D87987AD}"/>
+              </a:ext>
+              <a:ext uri="{C183D7F6-B498-43B3-948B-1728B52AA6E4}">
+                <adec:decorative xmlns:adec="http://schemas.microsoft.com/office/drawing/2017/decorative" val="1"/>
+              </a:ext>
+            </a:extLst>
+          </p:cNvPr>
+          <p:cNvSpPr>
+            <a:spLocks noGrp="1" noRot="1" noChangeAspect="1" noMove="1" noResize="1" noEditPoints="1" noAdjustHandles="1" noChangeArrowheads="1" noChangeShapeType="1" noTextEdit="1"/>
+          </p:cNvSpPr>
+          <p:nvPr>
+            <p:extLst>
+              <p:ext uri="{386F3935-93C4-4BCD-93E2-E3B085C9AB24}">
+                <p16:designElem xmlns:p16="http://schemas.microsoft.com/office/powerpoint/2015/main" val="1"/>
+              </p:ext>
+            </p:extLst>
+          </p:nvPr>
+        </p:nvSpPr>
+        <p:spPr>
+          <a:xfrm rot="18900000" flipH="1">
+            <a:off x="7532611" y="491355"/>
+            <a:ext cx="515604" cy="515604"/>
+          </a:xfrm>
+          <a:prstGeom prst="rect">
+            <a:avLst/>
+          </a:prstGeom>
+          <a:solidFill>
+            <a:schemeClr val="accent4">
+              <a:alpha val="30000"/>
+            </a:schemeClr>
+          </a:solidFill>
+          <a:ln>
+            <a:noFill/>
+          </a:ln>
+        </p:spPr>
+        <p:style>
+          <a:lnRef idx="2">
+            <a:schemeClr val="accent1">
+              <a:shade val="50000"/>
+            </a:schemeClr>
+          </a:lnRef>
+          <a:fillRef idx="1">
+            <a:schemeClr val="accent1"/>
+          </a:fillRef>
+          <a:effectRef idx="0">
+            <a:schemeClr val="accent1"/>
+          </a:effectRef>
+          <a:fontRef idx="minor">
+            <a:schemeClr val="lt1"/>
+          </a:fontRef>
+        </p:style>
+        <p:txBody>
+          <a:bodyPr rtlCol="0" anchor="ctr"/>
+          <a:lstStyle/>
+          <a:p>
+            <a:pPr algn="ctr"/>
+            <a:endParaRPr lang="en-US"/>
+          </a:p>
+        </p:txBody>
+      </p:sp>
+      <p:sp>
+        <p:nvSpPr>
+          <p:cNvPr id="15" name="Freeform: Shape 14">
+            <a:extLst>
+              <a:ext uri="{FF2B5EF4-FFF2-40B4-BE49-F238E27FC236}">
+                <a16:creationId xmlns:a16="http://schemas.microsoft.com/office/drawing/2014/main" id="{9A97C86A-04D6-40F7-AE84-31AB43E6A846}"/>
+              </a:ext>
+              <a:ext uri="{C183D7F6-B498-43B3-948B-1728B52AA6E4}">
+                <adec:decorative xmlns:adec="http://schemas.microsoft.com/office/drawing/2017/decorative" val="1"/>
+              </a:ext>
+            </a:extLst>
+          </p:cNvPr>
+          <p:cNvSpPr>
+            <a:spLocks noGrp="1" noRot="1" noChangeAspect="1" noMove="1" noResize="1" noEditPoints="1" noAdjustHandles="1" noChangeArrowheads="1" noChangeShapeType="1" noTextEdit="1"/>
+          </p:cNvSpPr>
+          <p:nvPr>
+            <p:extLst>
+              <p:ext uri="{386F3935-93C4-4BCD-93E2-E3B085C9AB24}">
+                <p16:designElem xmlns:p16="http://schemas.microsoft.com/office/powerpoint/2015/main" val="1"/>
+              </p:ext>
+            </p:extLst>
+          </p:nvPr>
+        </p:nvSpPr>
+        <p:spPr>
+          <a:xfrm rot="10800000" flipH="1">
+            <a:off x="7017482" y="0"/>
+            <a:ext cx="2126518" cy="1110627"/>
+          </a:xfrm>
+          <a:custGeom>
+            <a:avLst/>
+            <a:gdLst>
+              <a:gd name="connsiteX0" fmla="*/ 2835357 w 2835357"/>
+              <a:gd name="connsiteY0" fmla="*/ 1480837 h 1480837"/>
+              <a:gd name="connsiteX1" fmla="*/ 0 w 2835357"/>
+              <a:gd name="connsiteY1" fmla="*/ 1480837 h 1480837"/>
+              <a:gd name="connsiteX2" fmla="*/ 1552727 w 2835357"/>
+              <a:gd name="connsiteY2" fmla="*/ 0 h 1480837"/>
+              <a:gd name="connsiteX3" fmla="*/ 2835357 w 2835357"/>
+              <a:gd name="connsiteY3" fmla="*/ 1223245 h 1480837"/>
+            </a:gdLst>
+            <a:ahLst/>
+            <a:cxnLst>
+              <a:cxn ang="0">
+                <a:pos x="connsiteX0" y="connsiteY0"/>
+              </a:cxn>
+              <a:cxn ang="0">
+                <a:pos x="connsiteX1" y="connsiteY1"/>
+              </a:cxn>
+              <a:cxn ang="0">
+                <a:pos x="connsiteX2" y="connsiteY2"/>
+              </a:cxn>
+              <a:cxn ang="0">
+                <a:pos x="connsiteX3" y="connsiteY3"/>
+              </a:cxn>
+            </a:cxnLst>
+            <a:rect l="l" t="t" r="r" b="b"/>
+            <a:pathLst>
+              <a:path w="2835357" h="1480837">
+                <a:moveTo>
+                  <a:pt x="2835357" y="1480837"/>
+                </a:moveTo>
+                <a:lnTo>
+                  <a:pt x="0" y="1480837"/>
+                </a:lnTo>
+                <a:lnTo>
+                  <a:pt x="1552727" y="0"/>
+                </a:lnTo>
+                <a:lnTo>
+                  <a:pt x="2835357" y="1223245"/>
+                </a:lnTo>
+                <a:close/>
+              </a:path>
+            </a:pathLst>
+          </a:custGeom>
+          <a:solidFill>
+            <a:schemeClr val="accent4">
+              <a:alpha val="30000"/>
+            </a:schemeClr>
+          </a:solidFill>
+          <a:ln>
+            <a:noFill/>
+          </a:ln>
+        </p:spPr>
+        <p:style>
+          <a:lnRef idx="2">
+            <a:schemeClr val="accent1">
+              <a:shade val="50000"/>
+            </a:schemeClr>
+          </a:lnRef>
+          <a:fillRef idx="1">
+            <a:schemeClr val="accent1"/>
+          </a:fillRef>
+          <a:effectRef idx="0">
+            <a:schemeClr val="accent1"/>
+          </a:effectRef>
+          <a:fontRef idx="minor">
+            <a:schemeClr val="lt1"/>
+          </a:fontRef>
+        </p:style>
+        <p:txBody>
+          <a:bodyPr wrap="square" rtlCol="0" anchor="ctr">
+            <a:noAutofit/>
+          </a:bodyPr>
+          <a:lstStyle/>
+          <a:p>
+            <a:pPr algn="ctr"/>
+            <a:endParaRPr lang="en-US" dirty="0"/>
+          </a:p>
+        </p:txBody>
+      </p:sp>
+      <p:sp>
+        <p:nvSpPr>
+          <p:cNvPr id="17" name="Isosceles Triangle 16">
+            <a:extLst>
+              <a:ext uri="{FF2B5EF4-FFF2-40B4-BE49-F238E27FC236}">
+                <a16:creationId xmlns:a16="http://schemas.microsoft.com/office/drawing/2014/main" id="{FF9F2414-84E8-453E-B1F3-389FDE8192D9}"/>
+              </a:ext>
+              <a:ext uri="{C183D7F6-B498-43B3-948B-1728B52AA6E4}">
+                <adec:decorative xmlns:adec="http://schemas.microsoft.com/office/drawing/2017/decorative" val="1"/>
+              </a:ext>
+            </a:extLst>
+          </p:cNvPr>
+          <p:cNvSpPr>
+            <a:spLocks noGrp="1" noRot="1" noChangeAspect="1" noMove="1" noResize="1" noEditPoints="1" noAdjustHandles="1" noChangeArrowheads="1" noChangeShapeType="1" noTextEdit="1"/>
+          </p:cNvSpPr>
+          <p:nvPr>
+            <p:extLst>
+              <p:ext uri="{386F3935-93C4-4BCD-93E2-E3B085C9AB24}">
+                <p16:designElem xmlns:p16="http://schemas.microsoft.com/office/powerpoint/2015/main" val="1"/>
+              </p:ext>
+            </p:extLst>
+          </p:nvPr>
+        </p:nvSpPr>
+        <p:spPr>
+          <a:xfrm flipH="1">
+            <a:off x="5982258" y="4586625"/>
+            <a:ext cx="1120884" cy="556875"/>
+          </a:xfrm>
+          <a:prstGeom prst="triangle">
+            <a:avLst/>
+          </a:prstGeom>
+          <a:solidFill>
+            <a:schemeClr val="accent1">
+              <a:alpha val="30000"/>
+            </a:schemeClr>
+          </a:solidFill>
+          <a:ln>
+            <a:noFill/>
+          </a:ln>
+        </p:spPr>
+        <p:style>
+          <a:lnRef idx="2">
+            <a:schemeClr val="accent1">
+              <a:shade val="50000"/>
+            </a:schemeClr>
+          </a:lnRef>
+          <a:fillRef idx="1">
+            <a:schemeClr val="accent1"/>
+          </a:fillRef>
+          <a:effectRef idx="0">
+            <a:schemeClr val="accent1"/>
+          </a:effectRef>
+          <a:fontRef idx="minor">
+            <a:schemeClr val="lt1"/>
+          </a:fontRef>
+        </p:style>
+        <p:txBody>
+          <a:bodyPr rtlCol="0" anchor="ctr"/>
+          <a:lstStyle/>
+          <a:p>
+            <a:pPr algn="ctr"/>
+            <a:endParaRPr lang="en-US"/>
+          </a:p>
+        </p:txBody>
+      </p:sp>
+      <p:pic>
+        <p:nvPicPr>
+          <p:cNvPr id="2" name="Imagen 1" descr="Gráfico&#10;&#10;El contenido generado por IA puede ser incorrecto.">
+            <a:extLst>
+              <a:ext uri="{FF2B5EF4-FFF2-40B4-BE49-F238E27FC236}">
+                <a16:creationId xmlns:a16="http://schemas.microsoft.com/office/drawing/2014/main" id="{9F034EA2-DF63-8017-2ECF-9B6560373B0D}"/>
+              </a:ext>
+            </a:extLst>
+          </p:cNvPr>
+          <p:cNvPicPr>
+            <a:picLocks noChangeAspect="1"/>
+          </p:cNvPicPr>
+          <p:nvPr/>
+        </p:nvPicPr>
+        <p:blipFill>
+          <a:blip r:embed="rId2"/>
+          <a:stretch>
+            <a:fillRect/>
+          </a:stretch>
+        </p:blipFill>
+        <p:spPr>
+          <a:xfrm>
+            <a:off x="497427" y="77547"/>
+            <a:ext cx="7996744" cy="4178299"/>
+          </a:xfrm>
+          <a:prstGeom prst="rect">
+            <a:avLst/>
+          </a:prstGeom>
+          <a:ln>
+            <a:noFill/>
+          </a:ln>
+        </p:spPr>
+      </p:pic>
+      <p:sp>
+        <p:nvSpPr>
+          <p:cNvPr id="19" name="Isosceles Triangle 18">
+            <a:extLst>
+              <a:ext uri="{FF2B5EF4-FFF2-40B4-BE49-F238E27FC236}">
+                <a16:creationId xmlns:a16="http://schemas.microsoft.com/office/drawing/2014/main" id="{3ECA69A1-7536-43AC-85EF-C7106179F5ED}"/>
+              </a:ext>
+              <a:ext uri="{C183D7F6-B498-43B3-948B-1728B52AA6E4}">
+                <adec:decorative xmlns:adec="http://schemas.microsoft.com/office/drawing/2017/decorative" val="1"/>
+              </a:ext>
+            </a:extLst>
+          </p:cNvPr>
+          <p:cNvSpPr>
+            <a:spLocks noGrp="1" noRot="1" noChangeAspect="1" noMove="1" noResize="1" noEditPoints="1" noAdjustHandles="1" noChangeArrowheads="1" noChangeShapeType="1" noTextEdit="1"/>
+          </p:cNvSpPr>
+          <p:nvPr>
+            <p:extLst>
+              <p:ext uri="{386F3935-93C4-4BCD-93E2-E3B085C9AB24}">
+                <p16:designElem xmlns:p16="http://schemas.microsoft.com/office/powerpoint/2015/main" val="1"/>
+              </p:ext>
+            </p:extLst>
+          </p:nvPr>
+        </p:nvSpPr>
+        <p:spPr>
+          <a:xfrm flipH="1">
+            <a:off x="5703060" y="4839857"/>
+            <a:ext cx="611177" cy="303643"/>
+          </a:xfrm>
+          <a:prstGeom prst="triangle">
+            <a:avLst/>
+          </a:prstGeom>
+          <a:solidFill>
+            <a:schemeClr val="accent1">
+              <a:alpha val="30000"/>
+            </a:schemeClr>
+          </a:solidFill>
+          <a:ln>
+            <a:noFill/>
+          </a:ln>
+        </p:spPr>
+        <p:style>
+          <a:lnRef idx="2">
+            <a:schemeClr val="accent1">
+              <a:shade val="50000"/>
+            </a:schemeClr>
+          </a:lnRef>
+          <a:fillRef idx="1">
+            <a:schemeClr val="accent1"/>
+          </a:fillRef>
+          <a:effectRef idx="0">
+            <a:schemeClr val="accent1"/>
+          </a:effectRef>
+          <a:fontRef idx="minor">
+            <a:schemeClr val="lt1"/>
+          </a:fontRef>
+        </p:style>
+        <p:txBody>
+          <a:bodyPr rtlCol="0" anchor="ctr"/>
+          <a:lstStyle/>
+          <a:p>
+            <a:pPr algn="ctr"/>
+            <a:endParaRPr lang="en-US"/>
+          </a:p>
+        </p:txBody>
+      </p:sp>
+      <p:sp>
+        <p:nvSpPr>
+          <p:cNvPr id="3" name="Rectángulo 2">
+            <a:extLst>
+              <a:ext uri="{FF2B5EF4-FFF2-40B4-BE49-F238E27FC236}">
+                <a16:creationId xmlns:a16="http://schemas.microsoft.com/office/drawing/2014/main" id="{B5AFCD4F-9652-D8E8-0997-674DC69D59A3}"/>
+              </a:ext>
+            </a:extLst>
+          </p:cNvPr>
+          <p:cNvSpPr/>
+          <p:nvPr/>
+        </p:nvSpPr>
+        <p:spPr>
+          <a:xfrm>
+            <a:off x="3336812" y="4413208"/>
+            <a:ext cx="2677336" cy="253916"/>
+          </a:xfrm>
+          <a:prstGeom prst="rect">
+            <a:avLst/>
+          </a:prstGeom>
+          <a:noFill/>
+        </p:spPr>
+        <p:txBody>
+          <a:bodyPr wrap="none" lIns="91440" tIns="45720" rIns="91440" bIns="45720">
+            <a:spAutoFit/>
+          </a:bodyPr>
+          <a:lstStyle/>
+          <a:p>
+            <a:pPr algn="ctr"/>
+            <a:r>
+              <a:rPr lang="es-ES" sz="1050" dirty="0">
+                <a:ln w="0"/>
+                <a:effectLst>
+                  <a:outerShdw blurRad="38100" dist="19050" dir="2700000" algn="tl" rotWithShape="0">
+                    <a:schemeClr val="dk1">
+                      <a:alpha val="40000"/>
+                    </a:schemeClr>
+                  </a:outerShdw>
+                </a:effectLst>
+              </a:rPr>
+              <a:t>Velocidad de motor a revoluciones nominales</a:t>
+            </a:r>
+            <a:endParaRPr lang="es-ES" sz="1050" b="0" cap="none" spc="0" dirty="0">
+              <a:ln w="0"/>
+              <a:solidFill>
+                <a:schemeClr val="tx1"/>
+              </a:solidFill>
+              <a:effectLst>
+                <a:outerShdw blurRad="38100" dist="19050" dir="2700000" algn="tl" rotWithShape="0">
+                  <a:schemeClr val="dk1">
+                    <a:alpha val="40000"/>
+                  </a:schemeClr>
+                </a:outerShdw>
+              </a:effectLst>
+            </a:endParaRPr>
+          </a:p>
+        </p:txBody>
+      </p:sp>
+    </p:spTree>
+    <p:extLst>
+      <p:ext uri="{BB962C8B-B14F-4D97-AF65-F5344CB8AC3E}">
+        <p14:creationId xmlns:p14="http://schemas.microsoft.com/office/powerpoint/2010/main" val="2002700538"/>
+      </p:ext>
+    </p:extLst>
+  </p:cSld>
+  <p:clrMapOvr>
+    <a:masterClrMapping/>
+  </p:clrMapOvr>
+</p:sld>
+</file>
+
+<file path=ppt/slides/slide11.xml><?xml version="1.0" encoding="utf-8"?>
+<p:sld xmlns:a="http://schemas.openxmlformats.org/drawingml/2006/main" xmlns:r="http://schemas.openxmlformats.org/officeDocument/2006/relationships" xmlns:p="http://schemas.openxmlformats.org/presentationml/2006/main">
+  <p:cSld name="Slide 8">
+    <p:bg>
+      <p:bgPr>
+        <a:solidFill>
+          <a:srgbClr val="FFFFFF"/>
+        </a:solidFill>
+        <a:effectLst/>
+      </p:bgPr>
+    </p:bg>
+    <p:spTree>
+      <p:nvGrpSpPr>
+        <p:cNvPr id="1" name=""/>
+        <p:cNvGrpSpPr/>
+        <p:nvPr/>
+      </p:nvGrpSpPr>
+      <p:grpSpPr>
+        <a:xfrm>
+          <a:off x="0" y="0"/>
+          <a:ext cx="0" cy="0"/>
+          <a:chOff x="0" y="0"/>
+          <a:chExt cx="0" cy="0"/>
+        </a:xfrm>
+      </p:grpSpPr>
+      <p:sp>
+        <p:nvSpPr>
+          <p:cNvPr id="2" name="Text 0"/>
+          <p:cNvSpPr/>
+          <p:nvPr/>
+        </p:nvSpPr>
+        <p:spPr>
+          <a:xfrm>
+            <a:off x="457200" y="365760"/>
+            <a:ext cx="8229600" cy="548640"/>
+          </a:xfrm>
+          <a:prstGeom prst="rect">
+            <a:avLst/>
+          </a:prstGeom>
+          <a:noFill/>
+          <a:ln/>
+        </p:spPr>
+        <p:txBody>
+          <a:bodyPr wrap="square" rtlCol="0" anchor="ctr"/>
+          <a:lstStyle/>
+          <a:p>
+            <a:pPr marL="0" indent="0">
+              <a:buNone/>
+            </a:pPr>
+            <a:r>
+              <a:rPr lang="en-US" sz="3600" b="1" dirty="0">
+                <a:solidFill>
+                  <a:srgbClr val="028090"/>
+                </a:solidFill>
+              </a:rPr>
+              <a:t>RESULTADOS DE LA SIMULACIÓN</a:t>
+            </a:r>
+            <a:endParaRPr lang="en-US" sz="3600" dirty="0"/>
+          </a:p>
+        </p:txBody>
+      </p:sp>
+      <p:sp>
+        <p:nvSpPr>
+          <p:cNvPr id="3" name="Text 1"/>
+          <p:cNvSpPr/>
+          <p:nvPr/>
+        </p:nvSpPr>
+        <p:spPr>
+          <a:xfrm>
+            <a:off x="640080" y="1074420"/>
+            <a:ext cx="7863840" cy="320040"/>
+          </a:xfrm>
+          <a:prstGeom prst="rect">
+            <a:avLst/>
+          </a:prstGeom>
+          <a:noFill/>
+          <a:ln/>
+        </p:spPr>
+        <p:txBody>
+          <a:bodyPr wrap="square" rtlCol="0" anchor="ctr"/>
+          <a:lstStyle/>
+          <a:p>
+            <a:pPr marL="0" indent="0">
+              <a:buNone/>
+            </a:pPr>
+            <a:r>
+              <a:rPr lang="en-US" sz="1800" b="1" dirty="0">
+                <a:solidFill>
+                  <a:srgbClr val="014451"/>
+                </a:solidFill>
+              </a:rPr>
+              <a:t>Dinámica del Vehículo</a:t>
+            </a:r>
+            <a:endParaRPr lang="en-US" sz="1800" dirty="0"/>
+          </a:p>
+        </p:txBody>
+      </p:sp>
+      <p:sp>
+        <p:nvSpPr>
+          <p:cNvPr id="4" name="Text 2"/>
+          <p:cNvSpPr/>
+          <p:nvPr/>
+        </p:nvSpPr>
+        <p:spPr>
+          <a:xfrm>
+            <a:off x="914400" y="1505243"/>
+            <a:ext cx="7315200" cy="274320"/>
+          </a:xfrm>
+          <a:prstGeom prst="rect">
+            <a:avLst/>
+          </a:prstGeom>
+          <a:noFill/>
+          <a:ln/>
+        </p:spPr>
+        <p:txBody>
+          <a:bodyPr wrap="square" rtlCol="0" anchor="ctr"/>
+          <a:lstStyle/>
+          <a:p>
+            <a:pPr marL="0" indent="0">
+              <a:buNone/>
+            </a:pPr>
+            <a:r>
+              <a:rPr lang="en-US" sz="1300" dirty="0">
+                <a:solidFill>
+                  <a:srgbClr val="1A1A1A"/>
+                </a:solidFill>
+              </a:rPr>
+              <a:t>✓ Comportamiento coherente en aceleración y frenado</a:t>
+            </a:r>
+            <a:endParaRPr lang="en-US" sz="1300" dirty="0"/>
+          </a:p>
+        </p:txBody>
+      </p:sp>
+      <p:sp>
+        <p:nvSpPr>
+          <p:cNvPr id="5" name="Text 3"/>
+          <p:cNvSpPr/>
+          <p:nvPr/>
+        </p:nvSpPr>
+        <p:spPr>
+          <a:xfrm>
+            <a:off x="914400" y="1749669"/>
+            <a:ext cx="7315200" cy="274320"/>
+          </a:xfrm>
+          <a:prstGeom prst="rect">
+            <a:avLst/>
+          </a:prstGeom>
+          <a:noFill/>
+          <a:ln/>
+        </p:spPr>
+        <p:txBody>
+          <a:bodyPr wrap="square" rtlCol="0" anchor="ctr"/>
+          <a:lstStyle/>
+          <a:p>
+            <a:pPr marL="0" indent="0">
+              <a:buNone/>
+            </a:pPr>
+            <a:r>
+              <a:rPr lang="en-US" sz="1300" dirty="0">
+                <a:solidFill>
+                  <a:srgbClr val="1A1A1A"/>
+                </a:solidFill>
+              </a:rPr>
+              <a:t>✓ Respuesta adecuada del motor a demanda de par</a:t>
+            </a:r>
+            <a:endParaRPr lang="en-US" sz="1300" dirty="0"/>
+          </a:p>
+        </p:txBody>
+      </p:sp>
+      <p:sp>
+        <p:nvSpPr>
+          <p:cNvPr id="6" name="Text 4"/>
+          <p:cNvSpPr/>
+          <p:nvPr/>
+        </p:nvSpPr>
+        <p:spPr>
+          <a:xfrm>
+            <a:off x="914400" y="2023989"/>
+            <a:ext cx="7315200" cy="274320"/>
+          </a:xfrm>
+          <a:prstGeom prst="rect">
+            <a:avLst/>
+          </a:prstGeom>
+          <a:noFill/>
+          <a:ln/>
+        </p:spPr>
+        <p:txBody>
+          <a:bodyPr wrap="square" rtlCol="0" anchor="ctr"/>
+          <a:lstStyle/>
+          <a:p>
+            <a:pPr marL="0" indent="0">
+              <a:buNone/>
+            </a:pPr>
+            <a:r>
+              <a:rPr lang="en-US" sz="1300" dirty="0">
+                <a:solidFill>
+                  <a:srgbClr val="1A1A1A"/>
+                </a:solidFill>
+              </a:rPr>
+              <a:t>✓ Transitorios claramente identificables</a:t>
+            </a:r>
+            <a:endParaRPr lang="en-US" sz="1300" dirty="0"/>
+          </a:p>
+        </p:txBody>
+      </p:sp>
+      <p:sp>
+        <p:nvSpPr>
+          <p:cNvPr id="7" name="Text 5"/>
+          <p:cNvSpPr/>
+          <p:nvPr/>
+        </p:nvSpPr>
+        <p:spPr>
+          <a:xfrm>
+            <a:off x="640080" y="2341392"/>
+            <a:ext cx="7863840" cy="320040"/>
+          </a:xfrm>
+          <a:prstGeom prst="rect">
+            <a:avLst/>
+          </a:prstGeom>
+          <a:noFill/>
+          <a:ln/>
+        </p:spPr>
+        <p:txBody>
+          <a:bodyPr wrap="square" rtlCol="0" anchor="ctr"/>
+          <a:lstStyle/>
+          <a:p>
+            <a:pPr marL="0" indent="0">
+              <a:buNone/>
+            </a:pPr>
+            <a:r>
+              <a:rPr lang="en-US" sz="1800" b="1" dirty="0">
+                <a:solidFill>
+                  <a:srgbClr val="014451"/>
+                </a:solidFill>
+              </a:rPr>
+              <a:t>Sistema de Batería</a:t>
+            </a:r>
+            <a:endParaRPr lang="en-US" sz="1800" dirty="0"/>
+          </a:p>
+        </p:txBody>
+      </p:sp>
+      <p:sp>
+        <p:nvSpPr>
+          <p:cNvPr id="8" name="Text 6"/>
+          <p:cNvSpPr/>
+          <p:nvPr/>
+        </p:nvSpPr>
+        <p:spPr>
+          <a:xfrm>
+            <a:off x="914400" y="2636814"/>
+            <a:ext cx="7315200" cy="274320"/>
+          </a:xfrm>
+          <a:prstGeom prst="rect">
+            <a:avLst/>
+          </a:prstGeom>
+          <a:noFill/>
+          <a:ln/>
+        </p:spPr>
+        <p:txBody>
+          <a:bodyPr wrap="square" rtlCol="0" anchor="ctr"/>
+          <a:lstStyle/>
+          <a:p>
+            <a:pPr marL="0" indent="0">
+              <a:buNone/>
+            </a:pPr>
+            <a:r>
+              <a:rPr lang="en-US" sz="1300" dirty="0">
+                <a:solidFill>
+                  <a:srgbClr val="1A1A1A"/>
+                </a:solidFill>
+              </a:rPr>
+              <a:t>✓ Caída de voltaje consistente con aumento de corriente</a:t>
+            </a:r>
+            <a:endParaRPr lang="en-US" sz="1300" dirty="0"/>
+          </a:p>
+        </p:txBody>
+      </p:sp>
+      <p:sp>
+        <p:nvSpPr>
+          <p:cNvPr id="9" name="Text 7"/>
+          <p:cNvSpPr/>
+          <p:nvPr/>
+        </p:nvSpPr>
+        <p:spPr>
+          <a:xfrm>
+            <a:off x="914400" y="2918607"/>
+            <a:ext cx="7315200" cy="274320"/>
+          </a:xfrm>
+          <a:prstGeom prst="rect">
+            <a:avLst/>
+          </a:prstGeom>
+          <a:noFill/>
+          <a:ln/>
+        </p:spPr>
+        <p:txBody>
+          <a:bodyPr wrap="square" rtlCol="0" anchor="ctr"/>
+          <a:lstStyle/>
+          <a:p>
+            <a:pPr marL="0" indent="0">
+              <a:buNone/>
+            </a:pPr>
+            <a:r>
+              <a:rPr lang="en-US" sz="1300" dirty="0">
+                <a:solidFill>
+                  <a:srgbClr val="1A1A1A"/>
+                </a:solidFill>
+              </a:rPr>
+              <a:t>✓ SOC con disminución progresiva esperada</a:t>
+            </a:r>
+            <a:endParaRPr lang="en-US" sz="1300" dirty="0"/>
+          </a:p>
+        </p:txBody>
+      </p:sp>
+      <p:sp>
+        <p:nvSpPr>
+          <p:cNvPr id="10" name="Text 8"/>
+          <p:cNvSpPr/>
+          <p:nvPr/>
+        </p:nvSpPr>
+        <p:spPr>
+          <a:xfrm>
+            <a:off x="914400" y="3189190"/>
+            <a:ext cx="7315200" cy="274320"/>
+          </a:xfrm>
+          <a:prstGeom prst="rect">
+            <a:avLst/>
+          </a:prstGeom>
+          <a:noFill/>
+          <a:ln/>
+        </p:spPr>
+        <p:txBody>
+          <a:bodyPr wrap="square" rtlCol="0" anchor="ctr"/>
+          <a:lstStyle/>
+          <a:p>
+            <a:pPr marL="0" indent="0">
+              <a:buNone/>
+            </a:pPr>
+            <a:r>
+              <a:rPr lang="en-US" sz="1300" dirty="0">
+                <a:solidFill>
+                  <a:srgbClr val="1A1A1A"/>
+                </a:solidFill>
+              </a:rPr>
+              <a:t>✓ Temperatura estable durante la simulación</a:t>
+            </a:r>
+            <a:endParaRPr lang="en-US" sz="1300" dirty="0"/>
+          </a:p>
+        </p:txBody>
+      </p:sp>
+      <p:sp>
+        <p:nvSpPr>
+          <p:cNvPr id="11" name="Text 9"/>
+          <p:cNvSpPr/>
+          <p:nvPr/>
+        </p:nvSpPr>
+        <p:spPr>
+          <a:xfrm>
+            <a:off x="640080" y="3543959"/>
+            <a:ext cx="7863840" cy="320040"/>
+          </a:xfrm>
+          <a:prstGeom prst="rect">
+            <a:avLst/>
+          </a:prstGeom>
+          <a:noFill/>
+          <a:ln/>
+        </p:spPr>
+        <p:txBody>
+          <a:bodyPr wrap="square" rtlCol="0" anchor="ctr"/>
+          <a:lstStyle/>
+          <a:p>
+            <a:pPr marL="0" indent="0">
+              <a:buNone/>
+            </a:pPr>
+            <a:r>
+              <a:rPr lang="en-US" sz="1800" b="1" dirty="0">
+                <a:solidFill>
+                  <a:srgbClr val="014451"/>
+                </a:solidFill>
+              </a:rPr>
+              <a:t>Motor Eléctrico</a:t>
+            </a:r>
+            <a:endParaRPr lang="en-US" sz="1800" dirty="0"/>
+          </a:p>
+        </p:txBody>
+      </p:sp>
+      <p:sp>
+        <p:nvSpPr>
+          <p:cNvPr id="12" name="Text 10"/>
+          <p:cNvSpPr/>
+          <p:nvPr/>
+        </p:nvSpPr>
+        <p:spPr>
+          <a:xfrm>
+            <a:off x="914400" y="3863999"/>
+            <a:ext cx="7315200" cy="274320"/>
+          </a:xfrm>
+          <a:prstGeom prst="rect">
+            <a:avLst/>
+          </a:prstGeom>
+          <a:noFill/>
+          <a:ln/>
+        </p:spPr>
+        <p:txBody>
+          <a:bodyPr wrap="square" rtlCol="0" anchor="ctr"/>
+          <a:lstStyle/>
+          <a:p>
+            <a:pPr marL="0" indent="0">
+              <a:buNone/>
+            </a:pPr>
+            <a:r>
+              <a:rPr lang="en-US" sz="1300" dirty="0">
+                <a:solidFill>
+                  <a:srgbClr val="1A1A1A"/>
+                </a:solidFill>
+              </a:rPr>
+              <a:t>✓ Control V/f efectivo para arranque suave</a:t>
+            </a:r>
+            <a:endParaRPr lang="en-US" sz="1300" dirty="0"/>
+          </a:p>
+        </p:txBody>
+      </p:sp>
+      <p:sp>
+        <p:nvSpPr>
+          <p:cNvPr id="13" name="Text 11"/>
+          <p:cNvSpPr/>
+          <p:nvPr/>
+        </p:nvSpPr>
+        <p:spPr>
+          <a:xfrm>
+            <a:off x="914400" y="4138319"/>
+            <a:ext cx="7315200" cy="274320"/>
+          </a:xfrm>
+          <a:prstGeom prst="rect">
+            <a:avLst/>
+          </a:prstGeom>
+          <a:noFill/>
+          <a:ln/>
+        </p:spPr>
+        <p:txBody>
+          <a:bodyPr wrap="square" rtlCol="0" anchor="ctr"/>
+          <a:lstStyle/>
+          <a:p>
+            <a:pPr marL="0" indent="0">
+              <a:buNone/>
+            </a:pPr>
+            <a:r>
+              <a:rPr lang="en-US" sz="1300" dirty="0">
+                <a:solidFill>
+                  <a:srgbClr val="1A1A1A"/>
+                </a:solidFill>
+              </a:rPr>
+              <a:t>✓ Relación par-velocidad-potencia coherente</a:t>
+            </a:r>
+            <a:endParaRPr lang="en-US" sz="1300" dirty="0"/>
+          </a:p>
+        </p:txBody>
+      </p:sp>
+      <p:sp>
+        <p:nvSpPr>
+          <p:cNvPr id="14" name="Text 12"/>
+          <p:cNvSpPr/>
+          <p:nvPr/>
+        </p:nvSpPr>
+        <p:spPr>
+          <a:xfrm>
+            <a:off x="914400" y="4412639"/>
+            <a:ext cx="7315200" cy="274320"/>
+          </a:xfrm>
+          <a:prstGeom prst="rect">
+            <a:avLst/>
+          </a:prstGeom>
+          <a:noFill/>
+          <a:ln/>
+        </p:spPr>
+        <p:txBody>
+          <a:bodyPr wrap="square" rtlCol="0" anchor="ctr"/>
+          <a:lstStyle/>
+          <a:p>
+            <a:pPr marL="0" indent="0">
+              <a:buNone/>
+            </a:pPr>
+            <a:r>
+              <a:rPr lang="en-US" sz="1300" dirty="0">
+                <a:solidFill>
+                  <a:srgbClr val="1A1A1A"/>
+                </a:solidFill>
+              </a:rPr>
+              <a:t>✓ Respuesta dinámica adecuada a cambios de carga</a:t>
+            </a:r>
+            <a:endParaRPr lang="en-US" sz="1300" dirty="0"/>
+          </a:p>
+        </p:txBody>
+      </p:sp>
+    </p:spTree>
+  </p:cSld>
+  <p:clrMapOvr>
+    <a:masterClrMapping/>
+  </p:clrMapOvr>
+</p:sld>
+</file>
+
+<file path=ppt/slides/slide12.xml><?xml version="1.0" encoding="utf-8"?>
+<p:sld xmlns:a="http://schemas.openxmlformats.org/drawingml/2006/main" xmlns:r="http://schemas.openxmlformats.org/officeDocument/2006/relationships" xmlns:p="http://schemas.openxmlformats.org/presentationml/2006/main">
+  <p:cSld name="Slide 9">
+    <p:bg>
+      <p:bgPr>
+        <a:solidFill>
+          <a:srgbClr val="FFFFFF"/>
+        </a:solidFill>
+        <a:effectLst/>
+      </p:bgPr>
+    </p:bg>
+    <p:spTree>
+      <p:nvGrpSpPr>
+        <p:cNvPr id="1" name=""/>
+        <p:cNvGrpSpPr/>
+        <p:nvPr/>
+      </p:nvGrpSpPr>
+      <p:grpSpPr>
+        <a:xfrm>
+          <a:off x="0" y="0"/>
+          <a:ext cx="0" cy="0"/>
+          <a:chOff x="0" y="0"/>
+          <a:chExt cx="0" cy="0"/>
+        </a:xfrm>
+      </p:grpSpPr>
+      <p:sp>
+        <p:nvSpPr>
+          <p:cNvPr id="2" name="Text 0"/>
+          <p:cNvSpPr/>
+          <p:nvPr/>
+        </p:nvSpPr>
+        <p:spPr>
+          <a:xfrm>
+            <a:off x="457200" y="365760"/>
+            <a:ext cx="8229600" cy="548640"/>
+          </a:xfrm>
+          <a:prstGeom prst="rect">
+            <a:avLst/>
+          </a:prstGeom>
+          <a:noFill/>
+          <a:ln/>
+        </p:spPr>
+        <p:txBody>
+          <a:bodyPr wrap="square" rtlCol="0" anchor="ctr"/>
+          <a:lstStyle/>
+          <a:p>
+            <a:pPr marL="0" indent="0">
+              <a:buNone/>
+            </a:pPr>
+            <a:r>
+              <a:rPr lang="en-US" sz="3600" b="1" dirty="0">
+                <a:solidFill>
+                  <a:srgbClr val="028090"/>
+                </a:solidFill>
+              </a:rPr>
+              <a:t>ANÁLISIS Y VALIDACIÓN</a:t>
+            </a:r>
+            <a:endParaRPr lang="en-US" sz="3600" dirty="0"/>
+          </a:p>
+        </p:txBody>
+      </p:sp>
+      <p:sp>
+        <p:nvSpPr>
+          <p:cNvPr id="3" name="Text 1"/>
+          <p:cNvSpPr/>
+          <p:nvPr/>
+        </p:nvSpPr>
+        <p:spPr>
+          <a:xfrm>
+            <a:off x="457200" y="1188720"/>
+            <a:ext cx="4114800" cy="365760"/>
+          </a:xfrm>
+          <a:prstGeom prst="rect">
+            <a:avLst/>
+          </a:prstGeom>
+          <a:noFill/>
+          <a:ln/>
+        </p:spPr>
+        <p:txBody>
+          <a:bodyPr wrap="square" rtlCol="0" anchor="ctr"/>
+          <a:lstStyle/>
+          <a:p>
+            <a:pPr marL="0" indent="0">
+              <a:buNone/>
+            </a:pPr>
+            <a:r>
+              <a:rPr lang="en-US" sz="2000" b="1" dirty="0">
+                <a:solidFill>
+                  <a:srgbClr val="014451"/>
+                </a:solidFill>
+              </a:rPr>
+              <a:t>Consistencia del Modelo</a:t>
+            </a:r>
+            <a:endParaRPr lang="en-US" sz="2000" dirty="0"/>
+          </a:p>
+        </p:txBody>
+      </p:sp>
+      <p:sp>
+        <p:nvSpPr>
+          <p:cNvPr id="4" name="Text 2"/>
+          <p:cNvSpPr/>
+          <p:nvPr/>
+        </p:nvSpPr>
+        <p:spPr>
+          <a:xfrm>
+            <a:off x="640080" y="1554480"/>
+            <a:ext cx="3657600" cy="365760"/>
+          </a:xfrm>
+          <a:prstGeom prst="rect">
+            <a:avLst/>
+          </a:prstGeom>
+          <a:noFill/>
+          <a:ln/>
+        </p:spPr>
+        <p:txBody>
+          <a:bodyPr wrap="square" rtlCol="0" anchor="ctr"/>
+          <a:lstStyle/>
+          <a:p>
+            <a:pPr marL="0" indent="0">
+              <a:buNone/>
+            </a:pPr>
+            <a:r>
+              <a:rPr lang="en-US" sz="1300" dirty="0">
+                <a:solidFill>
+                  <a:srgbClr val="1A1A1A"/>
+                </a:solidFill>
+              </a:rPr>
+              <a:t>• Variables eléctricas coherentes con mecánicas</a:t>
+            </a:r>
+            <a:endParaRPr lang="en-US" sz="1300" dirty="0"/>
+          </a:p>
+        </p:txBody>
+      </p:sp>
+      <p:sp>
+        <p:nvSpPr>
+          <p:cNvPr id="5" name="Text 3"/>
+          <p:cNvSpPr/>
+          <p:nvPr/>
+        </p:nvSpPr>
+        <p:spPr>
+          <a:xfrm>
+            <a:off x="640080" y="1805940"/>
+            <a:ext cx="3657600" cy="365760"/>
+          </a:xfrm>
+          <a:prstGeom prst="rect">
+            <a:avLst/>
+          </a:prstGeom>
+          <a:noFill/>
+          <a:ln/>
+        </p:spPr>
+        <p:txBody>
+          <a:bodyPr wrap="square" rtlCol="0" anchor="ctr"/>
+          <a:lstStyle/>
+          <a:p>
+            <a:pPr marL="0" indent="0">
+              <a:buNone/>
+            </a:pPr>
+            <a:r>
+              <a:rPr lang="en-US" sz="1300" dirty="0">
+                <a:solidFill>
+                  <a:srgbClr val="1A1A1A"/>
+                </a:solidFill>
+              </a:rPr>
+              <a:t>• Interacción batería-inversor-motor validada</a:t>
+            </a:r>
+            <a:endParaRPr lang="en-US" sz="1300" dirty="0"/>
+          </a:p>
+        </p:txBody>
+      </p:sp>
+      <p:sp>
+        <p:nvSpPr>
+          <p:cNvPr id="6" name="Text 4"/>
+          <p:cNvSpPr/>
+          <p:nvPr/>
+        </p:nvSpPr>
+        <p:spPr>
+          <a:xfrm>
+            <a:off x="640080" y="2148840"/>
+            <a:ext cx="3657600" cy="365760"/>
+          </a:xfrm>
+          <a:prstGeom prst="rect">
+            <a:avLst/>
+          </a:prstGeom>
+          <a:noFill/>
+          <a:ln/>
+        </p:spPr>
+        <p:txBody>
+          <a:bodyPr wrap="square" rtlCol="0" anchor="ctr"/>
+          <a:lstStyle/>
+          <a:p>
+            <a:pPr marL="0" indent="0">
+              <a:buNone/>
+            </a:pPr>
+            <a:r>
+              <a:rPr lang="en-US" sz="1300" dirty="0">
+                <a:solidFill>
+                  <a:srgbClr val="1A1A1A"/>
+                </a:solidFill>
+              </a:rPr>
+              <a:t>• Comportamiento energético físicamente consistente</a:t>
+            </a:r>
+            <a:endParaRPr lang="en-US" sz="1300" dirty="0"/>
+          </a:p>
+        </p:txBody>
+      </p:sp>
+      <p:sp>
+        <p:nvSpPr>
+          <p:cNvPr id="7" name="Text 5"/>
+          <p:cNvSpPr/>
+          <p:nvPr/>
+        </p:nvSpPr>
+        <p:spPr>
+          <a:xfrm>
+            <a:off x="640080" y="2475914"/>
+            <a:ext cx="3657600" cy="365760"/>
+          </a:xfrm>
+          <a:prstGeom prst="rect">
+            <a:avLst/>
+          </a:prstGeom>
+          <a:noFill/>
+          <a:ln/>
+        </p:spPr>
+        <p:txBody>
+          <a:bodyPr wrap="square" rtlCol="0" anchor="ctr"/>
+          <a:lstStyle/>
+          <a:p>
+            <a:pPr marL="0" indent="0">
+              <a:buNone/>
+            </a:pPr>
+            <a:r>
+              <a:rPr lang="en-US" sz="1300" dirty="0">
+                <a:solidFill>
+                  <a:srgbClr val="1A1A1A"/>
+                </a:solidFill>
+              </a:rPr>
+              <a:t>• Respuesta térmica dentro de lo esperado</a:t>
+            </a:r>
+            <a:endParaRPr lang="en-US" sz="1300" dirty="0"/>
+          </a:p>
+        </p:txBody>
+      </p:sp>
+      <p:sp>
+        <p:nvSpPr>
+          <p:cNvPr id="8" name="Text 6"/>
+          <p:cNvSpPr/>
+          <p:nvPr/>
+        </p:nvSpPr>
+        <p:spPr>
+          <a:xfrm>
+            <a:off x="5029200" y="1188720"/>
+            <a:ext cx="3657600" cy="365760"/>
+          </a:xfrm>
+          <a:prstGeom prst="rect">
+            <a:avLst/>
+          </a:prstGeom>
+          <a:noFill/>
+          <a:ln/>
+        </p:spPr>
+        <p:txBody>
+          <a:bodyPr wrap="square" rtlCol="0" anchor="ctr"/>
+          <a:lstStyle/>
+          <a:p>
+            <a:pPr marL="0" indent="0">
+              <a:buNone/>
+            </a:pPr>
+            <a:r>
+              <a:rPr lang="en-US" sz="2000" b="1" dirty="0">
+                <a:solidFill>
+                  <a:srgbClr val="014451"/>
+                </a:solidFill>
+              </a:rPr>
+              <a:t>Limitaciones Identificadas</a:t>
+            </a:r>
+            <a:endParaRPr lang="en-US" sz="2000" dirty="0"/>
+          </a:p>
+        </p:txBody>
+      </p:sp>
+      <p:sp>
+        <p:nvSpPr>
+          <p:cNvPr id="9" name="Text 7"/>
+          <p:cNvSpPr/>
+          <p:nvPr/>
+        </p:nvSpPr>
+        <p:spPr>
+          <a:xfrm>
+            <a:off x="5212080" y="1623060"/>
+            <a:ext cx="3291840" cy="365760"/>
+          </a:xfrm>
+          <a:prstGeom prst="rect">
+            <a:avLst/>
+          </a:prstGeom>
+          <a:noFill/>
+          <a:ln/>
+        </p:spPr>
+        <p:txBody>
+          <a:bodyPr wrap="square" rtlCol="0" anchor="ctr"/>
+          <a:lstStyle/>
+          <a:p>
+            <a:pPr marL="0" indent="0">
+              <a:buNone/>
+            </a:pPr>
+            <a:r>
+              <a:rPr lang="en-US" sz="1300" dirty="0">
+                <a:solidFill>
+                  <a:srgbClr val="1A1A1A"/>
+                </a:solidFill>
+              </a:rPr>
+              <a:t>• Configuración de batería adaptada por restricciones de software</a:t>
+            </a:r>
+            <a:endParaRPr lang="en-US" sz="1300" dirty="0"/>
+          </a:p>
+        </p:txBody>
+      </p:sp>
+      <p:sp>
+        <p:nvSpPr>
+          <p:cNvPr id="10" name="Text 8"/>
+          <p:cNvSpPr/>
+          <p:nvPr/>
+        </p:nvSpPr>
+        <p:spPr>
+          <a:xfrm>
+            <a:off x="5212080" y="1945738"/>
+            <a:ext cx="3291840" cy="365760"/>
+          </a:xfrm>
+          <a:prstGeom prst="rect">
+            <a:avLst/>
+          </a:prstGeom>
+          <a:noFill/>
+          <a:ln/>
+        </p:spPr>
+        <p:txBody>
+          <a:bodyPr wrap="square" rtlCol="0" anchor="ctr"/>
+          <a:lstStyle/>
+          <a:p>
+            <a:pPr marL="0" indent="0">
+              <a:buNone/>
+            </a:pPr>
+            <a:r>
+              <a:rPr lang="en-US" sz="1300" dirty="0">
+                <a:solidFill>
+                  <a:srgbClr val="1A1A1A"/>
+                </a:solidFill>
+              </a:rPr>
+              <a:t>• Modelo térmico simplificado</a:t>
+            </a:r>
+            <a:endParaRPr lang="en-US" sz="1300" dirty="0"/>
+          </a:p>
+        </p:txBody>
+      </p:sp>
+      <p:sp>
+        <p:nvSpPr>
+          <p:cNvPr id="11" name="Text 9"/>
+          <p:cNvSpPr/>
+          <p:nvPr/>
+        </p:nvSpPr>
+        <p:spPr>
+          <a:xfrm>
+            <a:off x="5212080" y="2205990"/>
+            <a:ext cx="3291840" cy="365760"/>
+          </a:xfrm>
+          <a:prstGeom prst="rect">
+            <a:avLst/>
+          </a:prstGeom>
+          <a:noFill/>
+          <a:ln/>
+        </p:spPr>
+        <p:txBody>
+          <a:bodyPr wrap="square" rtlCol="0" anchor="ctr"/>
+          <a:lstStyle/>
+          <a:p>
+            <a:pPr marL="0" indent="0">
+              <a:buNone/>
+            </a:pPr>
+            <a:r>
+              <a:rPr lang="en-US" sz="1300" dirty="0">
+                <a:solidFill>
+                  <a:srgbClr val="1A1A1A"/>
+                </a:solidFill>
+              </a:rPr>
+              <a:t>• Control en lazo abierto (V/f básico)</a:t>
+            </a:r>
+            <a:endParaRPr lang="en-US" sz="1300" dirty="0"/>
+          </a:p>
+        </p:txBody>
+      </p:sp>
+      <p:sp>
+        <p:nvSpPr>
+          <p:cNvPr id="12" name="Text 10"/>
+          <p:cNvSpPr/>
+          <p:nvPr/>
+        </p:nvSpPr>
+        <p:spPr>
+          <a:xfrm>
+            <a:off x="5212080" y="2528668"/>
+            <a:ext cx="3291840" cy="365760"/>
+          </a:xfrm>
+          <a:prstGeom prst="rect">
+            <a:avLst/>
+          </a:prstGeom>
+          <a:noFill/>
+          <a:ln/>
+        </p:spPr>
+        <p:txBody>
+          <a:bodyPr wrap="square" rtlCol="0" anchor="ctr"/>
+          <a:lstStyle/>
+          <a:p>
+            <a:pPr marL="0" indent="0">
+              <a:buNone/>
+            </a:pPr>
+            <a:r>
+              <a:rPr lang="en-US" sz="1300" dirty="0">
+                <a:solidFill>
+                  <a:srgbClr val="1A1A1A"/>
+                </a:solidFill>
+              </a:rPr>
+              <a:t>• Datos limitados en ficha técnica del fabricante</a:t>
+            </a:r>
+            <a:endParaRPr lang="en-US" sz="1300" dirty="0"/>
+          </a:p>
+        </p:txBody>
+      </p:sp>
+      <p:sp>
+        <p:nvSpPr>
+          <p:cNvPr id="13" name="Shape 11"/>
+          <p:cNvSpPr/>
+          <p:nvPr/>
+        </p:nvSpPr>
+        <p:spPr>
+          <a:xfrm>
+            <a:off x="457200" y="3058843"/>
+            <a:ext cx="8229600" cy="1558877"/>
+          </a:xfrm>
+          <a:prstGeom prst="rect">
+            <a:avLst/>
+          </a:prstGeom>
+          <a:solidFill>
+            <a:srgbClr val="00A896"/>
+          </a:solidFill>
+          <a:ln/>
+        </p:spPr>
+        <p:txBody>
+          <a:bodyPr/>
+          <a:lstStyle/>
+          <a:p>
+            <a:endParaRPr lang="es-EC"/>
+          </a:p>
+        </p:txBody>
+      </p:sp>
+      <p:sp>
+        <p:nvSpPr>
+          <p:cNvPr id="14" name="Text 12"/>
+          <p:cNvSpPr/>
+          <p:nvPr/>
+        </p:nvSpPr>
+        <p:spPr>
+          <a:xfrm>
+            <a:off x="640080" y="3154681"/>
+            <a:ext cx="7863840" cy="320040"/>
+          </a:xfrm>
+          <a:prstGeom prst="rect">
+            <a:avLst/>
+          </a:prstGeom>
+          <a:noFill/>
+          <a:ln/>
+        </p:spPr>
+        <p:txBody>
+          <a:bodyPr wrap="square" rtlCol="0" anchor="ctr"/>
+          <a:lstStyle/>
+          <a:p>
+            <a:pPr marL="0" indent="0">
+              <a:buNone/>
+            </a:pPr>
+            <a:r>
+              <a:rPr lang="en-US" sz="2000" b="1" dirty="0">
+                <a:solidFill>
+                  <a:srgbClr val="FFFFFF"/>
+                </a:solidFill>
+              </a:rPr>
+              <a:t>VALIDACIÓN DE RESULTADOS</a:t>
+            </a:r>
+            <a:endParaRPr lang="en-US" sz="2000" dirty="0"/>
+          </a:p>
+        </p:txBody>
+      </p:sp>
+      <p:sp>
+        <p:nvSpPr>
+          <p:cNvPr id="15" name="Text 13"/>
+          <p:cNvSpPr/>
+          <p:nvPr/>
+        </p:nvSpPr>
+        <p:spPr>
+          <a:xfrm>
+            <a:off x="640080" y="3566161"/>
+            <a:ext cx="7863840" cy="914400"/>
+          </a:xfrm>
+          <a:prstGeom prst="rect">
+            <a:avLst/>
+          </a:prstGeom>
+          <a:noFill/>
+          <a:ln/>
+        </p:spPr>
+        <p:txBody>
+          <a:bodyPr wrap="square" rtlCol="0" anchor="ctr"/>
+          <a:lstStyle/>
+          <a:p>
+            <a:pPr marL="0" indent="0">
+              <a:buNone/>
+            </a:pPr>
+            <a:r>
+              <a:rPr lang="en-US" sz="1400" dirty="0">
+                <a:solidFill>
+                  <a:srgbClr val="FFFFFF"/>
+                </a:solidFill>
+              </a:rPr>
+              <a:t>Los resultados obtenidos demuestran la utilidad de MATLAB-Simulink como plataforma confiable para análisis preliminar y validación temprana de sistemas de propulsión eléctrica, permitiendo el dimensionamiento y evaluación de componentes antes de la implementación física.</a:t>
+            </a:r>
+            <a:endParaRPr lang="en-US" sz="1400" dirty="0"/>
+          </a:p>
+        </p:txBody>
+      </p:sp>
+    </p:spTree>
+  </p:cSld>
+  <p:clrMapOvr>
+    <a:masterClrMapping/>
+  </p:clrMapOvr>
+</p:sld>
+</file>
+
+<file path=ppt/slides/slide13.xml><?xml version="1.0" encoding="utf-8"?>
+<p:sld xmlns:a="http://schemas.openxmlformats.org/drawingml/2006/main" xmlns:r="http://schemas.openxmlformats.org/officeDocument/2006/relationships" xmlns:p="http://schemas.openxmlformats.org/presentationml/2006/main">
   <p:cSld name="Slide 10">
     <p:bg>
       <p:bgPr>
@@ -2414,7 +4032,7 @@
 </p:sld>
 </file>
 
-<file path=ppt/slides/slide11.xml><?xml version="1.0" encoding="utf-8"?>
+<file path=ppt/slides/slide14.xml><?xml version="1.0" encoding="utf-8"?>
 <p:sld xmlns:a="http://schemas.openxmlformats.org/drawingml/2006/main" xmlns:r="http://schemas.openxmlformats.org/officeDocument/2006/relationships" xmlns:p="http://schemas.openxmlformats.org/presentationml/2006/main">
   <p:cSld name="Slide 11">
     <p:bg>
@@ -3183,7 +4801,7 @@
 </p:sld>
 </file>
 
-<file path=ppt/slides/slide12.xml><?xml version="1.0" encoding="utf-8"?>
+<file path=ppt/slides/slide15.xml><?xml version="1.0" encoding="utf-8"?>
 <p:sld xmlns:a="http://schemas.openxmlformats.org/drawingml/2006/main" xmlns:r="http://schemas.openxmlformats.org/officeDocument/2006/relationships" xmlns:p="http://schemas.openxmlformats.org/presentationml/2006/main">
   <p:cSld name="Slide 12">
     <p:bg>
@@ -3421,224 +5039,6 @@
               <a:t>[5] Battery Builder User Guide, MathWorks Simscape Battery, 2024.</a:t>
             </a:r>
             <a:endParaRPr lang="en-US" sz="1200" dirty="0"/>
-          </a:p>
-        </p:txBody>
-      </p:sp>
-      <p:sp>
-        <p:nvSpPr>
-          <p:cNvPr id="8" name="Shape 6"/>
-          <p:cNvSpPr/>
-          <p:nvPr/>
-        </p:nvSpPr>
-        <p:spPr>
-          <a:xfrm>
-            <a:off x="1758462" y="3566160"/>
-            <a:ext cx="5486400" cy="914400"/>
-          </a:xfrm>
-          <a:prstGeom prst="rect">
-            <a:avLst/>
-          </a:prstGeom>
-          <a:solidFill>
-            <a:srgbClr val="028090"/>
-          </a:solidFill>
-          <a:ln/>
-        </p:spPr>
-        <p:txBody>
-          <a:bodyPr/>
-          <a:lstStyle/>
-          <a:p>
-            <a:endParaRPr lang="es-EC"/>
-          </a:p>
-        </p:txBody>
-      </p:sp>
-      <p:sp>
-        <p:nvSpPr>
-          <p:cNvPr id="9" name="Text 7"/>
-          <p:cNvSpPr/>
-          <p:nvPr/>
-        </p:nvSpPr>
-        <p:spPr>
-          <a:xfrm>
-            <a:off x="1758462" y="3749040"/>
-            <a:ext cx="5486400" cy="548640"/>
-          </a:xfrm>
-          <a:prstGeom prst="rect">
-            <a:avLst/>
-          </a:prstGeom>
-          <a:noFill/>
-          <a:ln/>
-        </p:spPr>
-        <p:txBody>
-          <a:bodyPr wrap="square" rtlCol="0" anchor="ctr"/>
-          <a:lstStyle/>
-          <a:p>
-            <a:pPr marL="0" indent="0" algn="ctr">
-              <a:buNone/>
-            </a:pPr>
-            <a:r>
-              <a:rPr lang="en-US" sz="3200" b="1" dirty="0">
-                <a:solidFill>
-                  <a:srgbClr val="FFFFFF"/>
-                </a:solidFill>
-              </a:rPr>
-              <a:t>¿PREGUNTAS?</a:t>
-            </a:r>
-            <a:endParaRPr lang="en-US" sz="3200" dirty="0"/>
-          </a:p>
-        </p:txBody>
-      </p:sp>
-    </p:spTree>
-  </p:cSld>
-  <p:clrMapOvr>
-    <a:masterClrMapping/>
-  </p:clrMapOvr>
-</p:sld>
-</file>
-
-<file path=ppt/slides/slide13.xml><?xml version="1.0" encoding="utf-8"?>
-<p:sld xmlns:a="http://schemas.openxmlformats.org/drawingml/2006/main" xmlns:r="http://schemas.openxmlformats.org/officeDocument/2006/relationships" xmlns:p="http://schemas.openxmlformats.org/presentationml/2006/main">
-  <p:cSld name="Slide 13">
-    <p:bg>
-      <p:bgPr>
-        <a:solidFill>
-          <a:srgbClr val="014451"/>
-        </a:solidFill>
-        <a:effectLst/>
-      </p:bgPr>
-    </p:bg>
-    <p:spTree>
-      <p:nvGrpSpPr>
-        <p:cNvPr id="1" name=""/>
-        <p:cNvGrpSpPr/>
-        <p:nvPr/>
-      </p:nvGrpSpPr>
-      <p:grpSpPr>
-        <a:xfrm>
-          <a:off x="0" y="0"/>
-          <a:ext cx="0" cy="0"/>
-          <a:chOff x="0" y="0"/>
-          <a:chExt cx="0" cy="0"/>
-        </a:xfrm>
-      </p:grpSpPr>
-      <p:sp>
-        <p:nvSpPr>
-          <p:cNvPr id="2" name="Text 0"/>
-          <p:cNvSpPr/>
-          <p:nvPr/>
-        </p:nvSpPr>
-        <p:spPr>
-          <a:xfrm>
-            <a:off x="457200" y="2286000"/>
-            <a:ext cx="8229600" cy="914400"/>
-          </a:xfrm>
-          <a:prstGeom prst="rect">
-            <a:avLst/>
-          </a:prstGeom>
-          <a:noFill/>
-          <a:ln/>
-        </p:spPr>
-        <p:txBody>
-          <a:bodyPr wrap="square" rtlCol="0" anchor="ctr"/>
-          <a:lstStyle/>
-          <a:p>
-            <a:pPr marL="0" indent="0" algn="ctr">
-              <a:buNone/>
-            </a:pPr>
-            <a:r>
-              <a:rPr lang="en-US" sz="4800" b="1" dirty="0">
-                <a:solidFill>
-                  <a:srgbClr val="FFFFFF"/>
-                </a:solidFill>
-              </a:rPr>
-              <a:t>GRACIAS</a:t>
-            </a:r>
-            <a:endParaRPr lang="en-US" sz="4800" dirty="0"/>
-          </a:p>
-        </p:txBody>
-      </p:sp>
-      <p:sp>
-        <p:nvSpPr>
-          <p:cNvPr id="3" name="Text 1"/>
-          <p:cNvSpPr/>
-          <p:nvPr/>
-        </p:nvSpPr>
-        <p:spPr>
-          <a:xfrm>
-            <a:off x="457200" y="3474720"/>
-            <a:ext cx="8229600" cy="457200"/>
-          </a:xfrm>
-          <a:prstGeom prst="rect">
-            <a:avLst/>
-          </a:prstGeom>
-          <a:noFill/>
-          <a:ln/>
-        </p:spPr>
-        <p:txBody>
-          <a:bodyPr wrap="square" rtlCol="0" anchor="ctr"/>
-          <a:lstStyle/>
-          <a:p>
-            <a:pPr marL="0" indent="0" algn="ctr">
-              <a:buNone/>
-            </a:pPr>
-            <a:r>
-              <a:rPr lang="en-US" sz="2000" dirty="0">
-                <a:solidFill>
-                  <a:srgbClr val="02C39A"/>
-                </a:solidFill>
-              </a:rPr>
-              <a:t>Jimmy Alcivar | Carlos Rojas</a:t>
-            </a:r>
-            <a:endParaRPr lang="en-US" sz="2000" dirty="0"/>
-          </a:p>
-        </p:txBody>
-      </p:sp>
-      <p:sp>
-        <p:nvSpPr>
-          <p:cNvPr id="4" name="Text 2"/>
-          <p:cNvSpPr/>
-          <p:nvPr/>
-        </p:nvSpPr>
-        <p:spPr>
-          <a:xfrm>
-            <a:off x="457200" y="4114800"/>
-            <a:ext cx="8229600" cy="640080"/>
-          </a:xfrm>
-          <a:prstGeom prst="rect">
-            <a:avLst/>
-          </a:prstGeom>
-          <a:noFill/>
-          <a:ln/>
-        </p:spPr>
-        <p:txBody>
-          <a:bodyPr wrap="square" rtlCol="0" anchor="ctr"/>
-          <a:lstStyle/>
-          <a:p>
-            <a:pPr marL="0" indent="0" algn="ctr">
-              <a:buNone/>
-            </a:pPr>
-            <a:r>
-              <a:rPr lang="en-US" sz="1600" dirty="0">
-                <a:solidFill>
-                  <a:srgbClr val="F2F2F2"/>
-                </a:solidFill>
-              </a:rPr>
-              <a:t>Universidad Politécnica Salesiana</a:t>
-            </a:r>
-            <a:endParaRPr lang="en-US" sz="1600" dirty="0"/>
-          </a:p>
-          <a:p>
-            <a:pPr marL="0" indent="0" algn="ctr">
-              <a:buNone/>
-            </a:pPr>
-            <a:r>
-              <a:rPr lang="en-US" sz="1600" dirty="0">
-                <a:solidFill>
-                  <a:srgbClr val="F2F2F2"/>
-                </a:solidFill>
-              </a:rPr>
-              <a:t>Vehículos Eléctricos e Híbridos</a:t>
-            </a:r>
-            <a:endParaRPr lang="en-US" sz="1600" dirty="0"/>
           </a:p>
         </p:txBody>
       </p:sp>
@@ -6364,6 +7764,632 @@
 
 <file path=ppt/slides/slide6.xml><?xml version="1.0" encoding="utf-8"?>
 <p:sld xmlns:a="http://schemas.openxmlformats.org/drawingml/2006/main" xmlns:r="http://schemas.openxmlformats.org/officeDocument/2006/relationships" xmlns:p="http://schemas.openxmlformats.org/presentationml/2006/main">
+  <p:cSld>
+    <p:bg>
+      <p:bgPr>
+        <a:solidFill>
+          <a:schemeClr val="bg1"/>
+        </a:solidFill>
+        <a:effectLst/>
+      </p:bgPr>
+    </p:bg>
+    <p:spTree>
+      <p:nvGrpSpPr>
+        <p:cNvPr id="1" name=""/>
+        <p:cNvGrpSpPr/>
+        <p:nvPr/>
+      </p:nvGrpSpPr>
+      <p:grpSpPr>
+        <a:xfrm>
+          <a:off x="0" y="0"/>
+          <a:ext cx="0" cy="0"/>
+          <a:chOff x="0" y="0"/>
+          <a:chExt cx="0" cy="0"/>
+        </a:xfrm>
+      </p:grpSpPr>
+      <p:sp>
+        <p:nvSpPr>
+          <p:cNvPr id="7" name="Rectangle 6">
+            <a:extLst>
+              <a:ext uri="{FF2B5EF4-FFF2-40B4-BE49-F238E27FC236}">
+                <a16:creationId xmlns:a16="http://schemas.microsoft.com/office/drawing/2014/main" id="{F3060C83-F051-4F0E-ABAD-AA0DFC48B218}"/>
+              </a:ext>
+              <a:ext uri="{C183D7F6-B498-43B3-948B-1728B52AA6E4}">
+                <adec:decorative xmlns:adec="http://schemas.microsoft.com/office/drawing/2017/decorative" val="1"/>
+              </a:ext>
+            </a:extLst>
+          </p:cNvPr>
+          <p:cNvSpPr>
+            <a:spLocks noGrp="1" noRot="1" noChangeAspect="1" noMove="1" noResize="1" noEditPoints="1" noAdjustHandles="1" noChangeArrowheads="1" noChangeShapeType="1" noTextEdit="1"/>
+          </p:cNvSpPr>
+          <p:nvPr>
+            <p:extLst>
+              <p:ext uri="{386F3935-93C4-4BCD-93E2-E3B085C9AB24}">
+                <p16:designElem xmlns:p16="http://schemas.microsoft.com/office/powerpoint/2015/main" val="1"/>
+              </p:ext>
+            </p:extLst>
+          </p:nvPr>
+        </p:nvSpPr>
+        <p:spPr>
+          <a:xfrm>
+            <a:off x="0" y="0"/>
+            <a:ext cx="9144000" cy="5143500"/>
+          </a:xfrm>
+          <a:prstGeom prst="rect">
+            <a:avLst/>
+          </a:prstGeom>
+          <a:solidFill>
+            <a:schemeClr val="bg1"/>
+          </a:solidFill>
+          <a:ln>
+            <a:noFill/>
+          </a:ln>
+        </p:spPr>
+        <p:style>
+          <a:lnRef idx="2">
+            <a:schemeClr val="accent1">
+              <a:shade val="50000"/>
+            </a:schemeClr>
+          </a:lnRef>
+          <a:fillRef idx="1">
+            <a:schemeClr val="accent1"/>
+          </a:fillRef>
+          <a:effectRef idx="0">
+            <a:schemeClr val="accent1"/>
+          </a:effectRef>
+          <a:fontRef idx="minor">
+            <a:schemeClr val="lt1"/>
+          </a:fontRef>
+        </p:style>
+        <p:txBody>
+          <a:bodyPr rtlCol="0" anchor="ctr"/>
+          <a:lstStyle/>
+          <a:p>
+            <a:pPr algn="ctr"/>
+            <a:endParaRPr lang="en-US" dirty="0"/>
+          </a:p>
+        </p:txBody>
+      </p:sp>
+      <p:sp>
+        <p:nvSpPr>
+          <p:cNvPr id="9" name="Freeform: Shape 8">
+            <a:extLst>
+              <a:ext uri="{FF2B5EF4-FFF2-40B4-BE49-F238E27FC236}">
+                <a16:creationId xmlns:a16="http://schemas.microsoft.com/office/drawing/2014/main" id="{83C98ABE-055B-441F-B07E-44F97F083C39}"/>
+              </a:ext>
+              <a:ext uri="{C183D7F6-B498-43B3-948B-1728B52AA6E4}">
+                <adec:decorative xmlns:adec="http://schemas.microsoft.com/office/drawing/2017/decorative" val="1"/>
+              </a:ext>
+            </a:extLst>
+          </p:cNvPr>
+          <p:cNvSpPr>
+            <a:spLocks noGrp="1" noRot="1" noChangeAspect="1" noMove="1" noResize="1" noEditPoints="1" noAdjustHandles="1" noChangeArrowheads="1" noChangeShapeType="1" noTextEdit="1"/>
+          </p:cNvSpPr>
+          <p:nvPr>
+            <p:extLst>
+              <p:ext uri="{386F3935-93C4-4BCD-93E2-E3B085C9AB24}">
+                <p16:designElem xmlns:p16="http://schemas.microsoft.com/office/powerpoint/2015/main" val="1"/>
+              </p:ext>
+            </p:extLst>
+          </p:nvPr>
+        </p:nvSpPr>
+        <p:spPr>
+          <a:xfrm rot="18900000" flipH="1">
+            <a:off x="-282117" y="-190252"/>
+            <a:ext cx="1370728" cy="1032741"/>
+          </a:xfrm>
+          <a:custGeom>
+            <a:avLst/>
+            <a:gdLst>
+              <a:gd name="connsiteX0" fmla="*/ 0 w 1827638"/>
+              <a:gd name="connsiteY0" fmla="*/ 987379 h 1376989"/>
+              <a:gd name="connsiteX1" fmla="*/ 987379 w 1827638"/>
+              <a:gd name="connsiteY1" fmla="*/ 0 h 1376989"/>
+              <a:gd name="connsiteX2" fmla="*/ 1827638 w 1827638"/>
+              <a:gd name="connsiteY2" fmla="*/ 840260 h 1376989"/>
+              <a:gd name="connsiteX3" fmla="*/ 1827638 w 1827638"/>
+              <a:gd name="connsiteY3" fmla="*/ 1376989 h 1376989"/>
+              <a:gd name="connsiteX4" fmla="*/ 0 w 1827638"/>
+              <a:gd name="connsiteY4" fmla="*/ 1376989 h 1376989"/>
+            </a:gdLst>
+            <a:ahLst/>
+            <a:cxnLst>
+              <a:cxn ang="0">
+                <a:pos x="connsiteX0" y="connsiteY0"/>
+              </a:cxn>
+              <a:cxn ang="0">
+                <a:pos x="connsiteX1" y="connsiteY1"/>
+              </a:cxn>
+              <a:cxn ang="0">
+                <a:pos x="connsiteX2" y="connsiteY2"/>
+              </a:cxn>
+              <a:cxn ang="0">
+                <a:pos x="connsiteX3" y="connsiteY3"/>
+              </a:cxn>
+              <a:cxn ang="0">
+                <a:pos x="connsiteX4" y="connsiteY4"/>
+              </a:cxn>
+            </a:cxnLst>
+            <a:rect l="l" t="t" r="r" b="b"/>
+            <a:pathLst>
+              <a:path w="1827638" h="1376989">
+                <a:moveTo>
+                  <a:pt x="0" y="987379"/>
+                </a:moveTo>
+                <a:lnTo>
+                  <a:pt x="987379" y="0"/>
+                </a:lnTo>
+                <a:lnTo>
+                  <a:pt x="1827638" y="840260"/>
+                </a:lnTo>
+                <a:lnTo>
+                  <a:pt x="1827638" y="1376989"/>
+                </a:lnTo>
+                <a:lnTo>
+                  <a:pt x="0" y="1376989"/>
+                </a:lnTo>
+                <a:close/>
+              </a:path>
+            </a:pathLst>
+          </a:custGeom>
+          <a:solidFill>
+            <a:schemeClr val="accent1">
+              <a:alpha val="30000"/>
+            </a:schemeClr>
+          </a:solidFill>
+          <a:ln>
+            <a:noFill/>
+          </a:ln>
+        </p:spPr>
+        <p:style>
+          <a:lnRef idx="2">
+            <a:schemeClr val="accent1">
+              <a:shade val="50000"/>
+            </a:schemeClr>
+          </a:lnRef>
+          <a:fillRef idx="1">
+            <a:schemeClr val="accent1"/>
+          </a:fillRef>
+          <a:effectRef idx="0">
+            <a:schemeClr val="accent1"/>
+          </a:effectRef>
+          <a:fontRef idx="minor">
+            <a:schemeClr val="lt1"/>
+          </a:fontRef>
+        </p:style>
+        <p:txBody>
+          <a:bodyPr rtlCol="0" anchor="ctr"/>
+          <a:lstStyle/>
+          <a:p>
+            <a:pPr algn="ctr"/>
+            <a:endParaRPr lang="en-US" dirty="0"/>
+          </a:p>
+        </p:txBody>
+      </p:sp>
+      <p:sp>
+        <p:nvSpPr>
+          <p:cNvPr id="11" name="Rectangle 10">
+            <a:extLst>
+              <a:ext uri="{FF2B5EF4-FFF2-40B4-BE49-F238E27FC236}">
+                <a16:creationId xmlns:a16="http://schemas.microsoft.com/office/drawing/2014/main" id="{29FDB030-9B49-4CED-8CCD-4D99382388AC}"/>
+              </a:ext>
+              <a:ext uri="{C183D7F6-B498-43B3-948B-1728B52AA6E4}">
+                <adec:decorative xmlns:adec="http://schemas.microsoft.com/office/drawing/2017/decorative" val="1"/>
+              </a:ext>
+            </a:extLst>
+          </p:cNvPr>
+          <p:cNvSpPr>
+            <a:spLocks noGrp="1" noRot="1" noChangeAspect="1" noMove="1" noResize="1" noEditPoints="1" noAdjustHandles="1" noChangeArrowheads="1" noChangeShapeType="1" noTextEdit="1"/>
+          </p:cNvSpPr>
+          <p:nvPr>
+            <p:extLst>
+              <p:ext uri="{386F3935-93C4-4BCD-93E2-E3B085C9AB24}">
+                <p16:designElem xmlns:p16="http://schemas.microsoft.com/office/powerpoint/2015/main" val="1"/>
+              </p:ext>
+            </p:extLst>
+          </p:nvPr>
+        </p:nvSpPr>
+        <p:spPr>
+          <a:xfrm rot="18900000" flipH="1">
+            <a:off x="668730" y="316609"/>
+            <a:ext cx="484026" cy="484026"/>
+          </a:xfrm>
+          <a:prstGeom prst="rect">
+            <a:avLst/>
+          </a:prstGeom>
+          <a:solidFill>
+            <a:schemeClr val="accent1">
+              <a:alpha val="30000"/>
+            </a:schemeClr>
+          </a:solidFill>
+          <a:ln>
+            <a:noFill/>
+          </a:ln>
+        </p:spPr>
+        <p:style>
+          <a:lnRef idx="2">
+            <a:schemeClr val="accent1">
+              <a:shade val="50000"/>
+            </a:schemeClr>
+          </a:lnRef>
+          <a:fillRef idx="1">
+            <a:schemeClr val="accent1"/>
+          </a:fillRef>
+          <a:effectRef idx="0">
+            <a:schemeClr val="accent1"/>
+          </a:effectRef>
+          <a:fontRef idx="minor">
+            <a:schemeClr val="lt1"/>
+          </a:fontRef>
+        </p:style>
+        <p:txBody>
+          <a:bodyPr rtlCol="0" anchor="ctr"/>
+          <a:lstStyle/>
+          <a:p>
+            <a:pPr algn="ctr"/>
+            <a:endParaRPr lang="en-US"/>
+          </a:p>
+        </p:txBody>
+      </p:sp>
+      <p:sp>
+        <p:nvSpPr>
+          <p:cNvPr id="13" name="Rectangle 12">
+            <a:extLst>
+              <a:ext uri="{FF2B5EF4-FFF2-40B4-BE49-F238E27FC236}">
+                <a16:creationId xmlns:a16="http://schemas.microsoft.com/office/drawing/2014/main" id="{3783CA14-24A1-485C-8B30-D6A5D87987AD}"/>
+              </a:ext>
+              <a:ext uri="{C183D7F6-B498-43B3-948B-1728B52AA6E4}">
+                <adec:decorative xmlns:adec="http://schemas.microsoft.com/office/drawing/2017/decorative" val="1"/>
+              </a:ext>
+            </a:extLst>
+          </p:cNvPr>
+          <p:cNvSpPr>
+            <a:spLocks noGrp="1" noRot="1" noChangeAspect="1" noMove="1" noResize="1" noEditPoints="1" noAdjustHandles="1" noChangeArrowheads="1" noChangeShapeType="1" noTextEdit="1"/>
+          </p:cNvSpPr>
+          <p:nvPr>
+            <p:extLst>
+              <p:ext uri="{386F3935-93C4-4BCD-93E2-E3B085C9AB24}">
+                <p16:designElem xmlns:p16="http://schemas.microsoft.com/office/powerpoint/2015/main" val="1"/>
+              </p:ext>
+            </p:extLst>
+          </p:nvPr>
+        </p:nvSpPr>
+        <p:spPr>
+          <a:xfrm rot="18900000" flipH="1">
+            <a:off x="7532611" y="491355"/>
+            <a:ext cx="515604" cy="515604"/>
+          </a:xfrm>
+          <a:prstGeom prst="rect">
+            <a:avLst/>
+          </a:prstGeom>
+          <a:solidFill>
+            <a:schemeClr val="accent4">
+              <a:alpha val="30000"/>
+            </a:schemeClr>
+          </a:solidFill>
+          <a:ln>
+            <a:noFill/>
+          </a:ln>
+        </p:spPr>
+        <p:style>
+          <a:lnRef idx="2">
+            <a:schemeClr val="accent1">
+              <a:shade val="50000"/>
+            </a:schemeClr>
+          </a:lnRef>
+          <a:fillRef idx="1">
+            <a:schemeClr val="accent1"/>
+          </a:fillRef>
+          <a:effectRef idx="0">
+            <a:schemeClr val="accent1"/>
+          </a:effectRef>
+          <a:fontRef idx="minor">
+            <a:schemeClr val="lt1"/>
+          </a:fontRef>
+        </p:style>
+        <p:txBody>
+          <a:bodyPr rtlCol="0" anchor="ctr"/>
+          <a:lstStyle/>
+          <a:p>
+            <a:pPr algn="ctr"/>
+            <a:endParaRPr lang="en-US"/>
+          </a:p>
+        </p:txBody>
+      </p:sp>
+      <p:sp>
+        <p:nvSpPr>
+          <p:cNvPr id="15" name="Freeform: Shape 14">
+            <a:extLst>
+              <a:ext uri="{FF2B5EF4-FFF2-40B4-BE49-F238E27FC236}">
+                <a16:creationId xmlns:a16="http://schemas.microsoft.com/office/drawing/2014/main" id="{9A97C86A-04D6-40F7-AE84-31AB43E6A846}"/>
+              </a:ext>
+              <a:ext uri="{C183D7F6-B498-43B3-948B-1728B52AA6E4}">
+                <adec:decorative xmlns:adec="http://schemas.microsoft.com/office/drawing/2017/decorative" val="1"/>
+              </a:ext>
+            </a:extLst>
+          </p:cNvPr>
+          <p:cNvSpPr>
+            <a:spLocks noGrp="1" noRot="1" noChangeAspect="1" noMove="1" noResize="1" noEditPoints="1" noAdjustHandles="1" noChangeArrowheads="1" noChangeShapeType="1" noTextEdit="1"/>
+          </p:cNvSpPr>
+          <p:nvPr>
+            <p:extLst>
+              <p:ext uri="{386F3935-93C4-4BCD-93E2-E3B085C9AB24}">
+                <p16:designElem xmlns:p16="http://schemas.microsoft.com/office/powerpoint/2015/main" val="1"/>
+              </p:ext>
+            </p:extLst>
+          </p:nvPr>
+        </p:nvSpPr>
+        <p:spPr>
+          <a:xfrm rot="10800000" flipH="1">
+            <a:off x="7017482" y="0"/>
+            <a:ext cx="2126518" cy="1110627"/>
+          </a:xfrm>
+          <a:custGeom>
+            <a:avLst/>
+            <a:gdLst>
+              <a:gd name="connsiteX0" fmla="*/ 2835357 w 2835357"/>
+              <a:gd name="connsiteY0" fmla="*/ 1480837 h 1480837"/>
+              <a:gd name="connsiteX1" fmla="*/ 0 w 2835357"/>
+              <a:gd name="connsiteY1" fmla="*/ 1480837 h 1480837"/>
+              <a:gd name="connsiteX2" fmla="*/ 1552727 w 2835357"/>
+              <a:gd name="connsiteY2" fmla="*/ 0 h 1480837"/>
+              <a:gd name="connsiteX3" fmla="*/ 2835357 w 2835357"/>
+              <a:gd name="connsiteY3" fmla="*/ 1223245 h 1480837"/>
+            </a:gdLst>
+            <a:ahLst/>
+            <a:cxnLst>
+              <a:cxn ang="0">
+                <a:pos x="connsiteX0" y="connsiteY0"/>
+              </a:cxn>
+              <a:cxn ang="0">
+                <a:pos x="connsiteX1" y="connsiteY1"/>
+              </a:cxn>
+              <a:cxn ang="0">
+                <a:pos x="connsiteX2" y="connsiteY2"/>
+              </a:cxn>
+              <a:cxn ang="0">
+                <a:pos x="connsiteX3" y="connsiteY3"/>
+              </a:cxn>
+            </a:cxnLst>
+            <a:rect l="l" t="t" r="r" b="b"/>
+            <a:pathLst>
+              <a:path w="2835357" h="1480837">
+                <a:moveTo>
+                  <a:pt x="2835357" y="1480837"/>
+                </a:moveTo>
+                <a:lnTo>
+                  <a:pt x="0" y="1480837"/>
+                </a:lnTo>
+                <a:lnTo>
+                  <a:pt x="1552727" y="0"/>
+                </a:lnTo>
+                <a:lnTo>
+                  <a:pt x="2835357" y="1223245"/>
+                </a:lnTo>
+                <a:close/>
+              </a:path>
+            </a:pathLst>
+          </a:custGeom>
+          <a:solidFill>
+            <a:schemeClr val="accent4">
+              <a:alpha val="30000"/>
+            </a:schemeClr>
+          </a:solidFill>
+          <a:ln>
+            <a:noFill/>
+          </a:ln>
+        </p:spPr>
+        <p:style>
+          <a:lnRef idx="2">
+            <a:schemeClr val="accent1">
+              <a:shade val="50000"/>
+            </a:schemeClr>
+          </a:lnRef>
+          <a:fillRef idx="1">
+            <a:schemeClr val="accent1"/>
+          </a:fillRef>
+          <a:effectRef idx="0">
+            <a:schemeClr val="accent1"/>
+          </a:effectRef>
+          <a:fontRef idx="minor">
+            <a:schemeClr val="lt1"/>
+          </a:fontRef>
+        </p:style>
+        <p:txBody>
+          <a:bodyPr wrap="square" rtlCol="0" anchor="ctr">
+            <a:noAutofit/>
+          </a:bodyPr>
+          <a:lstStyle/>
+          <a:p>
+            <a:pPr algn="ctr"/>
+            <a:endParaRPr lang="en-US" dirty="0"/>
+          </a:p>
+        </p:txBody>
+      </p:sp>
+      <p:sp>
+        <p:nvSpPr>
+          <p:cNvPr id="17" name="Isosceles Triangle 16">
+            <a:extLst>
+              <a:ext uri="{FF2B5EF4-FFF2-40B4-BE49-F238E27FC236}">
+                <a16:creationId xmlns:a16="http://schemas.microsoft.com/office/drawing/2014/main" id="{FF9F2414-84E8-453E-B1F3-389FDE8192D9}"/>
+              </a:ext>
+              <a:ext uri="{C183D7F6-B498-43B3-948B-1728B52AA6E4}">
+                <adec:decorative xmlns:adec="http://schemas.microsoft.com/office/drawing/2017/decorative" val="1"/>
+              </a:ext>
+            </a:extLst>
+          </p:cNvPr>
+          <p:cNvSpPr>
+            <a:spLocks noGrp="1" noRot="1" noChangeAspect="1" noMove="1" noResize="1" noEditPoints="1" noAdjustHandles="1" noChangeArrowheads="1" noChangeShapeType="1" noTextEdit="1"/>
+          </p:cNvSpPr>
+          <p:nvPr>
+            <p:extLst>
+              <p:ext uri="{386F3935-93C4-4BCD-93E2-E3B085C9AB24}">
+                <p16:designElem xmlns:p16="http://schemas.microsoft.com/office/powerpoint/2015/main" val="1"/>
+              </p:ext>
+            </p:extLst>
+          </p:nvPr>
+        </p:nvSpPr>
+        <p:spPr>
+          <a:xfrm flipH="1">
+            <a:off x="5982258" y="4586625"/>
+            <a:ext cx="1120884" cy="556875"/>
+          </a:xfrm>
+          <a:prstGeom prst="triangle">
+            <a:avLst/>
+          </a:prstGeom>
+          <a:solidFill>
+            <a:schemeClr val="accent1">
+              <a:alpha val="30000"/>
+            </a:schemeClr>
+          </a:solidFill>
+          <a:ln>
+            <a:noFill/>
+          </a:ln>
+        </p:spPr>
+        <p:style>
+          <a:lnRef idx="2">
+            <a:schemeClr val="accent1">
+              <a:shade val="50000"/>
+            </a:schemeClr>
+          </a:lnRef>
+          <a:fillRef idx="1">
+            <a:schemeClr val="accent1"/>
+          </a:fillRef>
+          <a:effectRef idx="0">
+            <a:schemeClr val="accent1"/>
+          </a:effectRef>
+          <a:fontRef idx="minor">
+            <a:schemeClr val="lt1"/>
+          </a:fontRef>
+        </p:style>
+        <p:txBody>
+          <a:bodyPr rtlCol="0" anchor="ctr"/>
+          <a:lstStyle/>
+          <a:p>
+            <a:pPr algn="ctr"/>
+            <a:endParaRPr lang="en-US"/>
+          </a:p>
+        </p:txBody>
+      </p:sp>
+      <p:pic>
+        <p:nvPicPr>
+          <p:cNvPr id="2" name="Imagen 1" descr="Diagrama&#10;&#10;El contenido generado por IA puede ser incorrecto.">
+            <a:extLst>
+              <a:ext uri="{FF2B5EF4-FFF2-40B4-BE49-F238E27FC236}">
+                <a16:creationId xmlns:a16="http://schemas.microsoft.com/office/drawing/2014/main" id="{99245ED2-D5E2-6008-33B7-2ADD4467A4C6}"/>
+              </a:ext>
+            </a:extLst>
+          </p:cNvPr>
+          <p:cNvPicPr>
+            <a:picLocks noChangeAspect="1"/>
+          </p:cNvPicPr>
+          <p:nvPr/>
+        </p:nvPicPr>
+        <p:blipFill rotWithShape="1">
+          <a:blip r:embed="rId2"/>
+          <a:srcRect l="20986"/>
+          <a:stretch>
+            <a:fillRect/>
+          </a:stretch>
+        </p:blipFill>
+        <p:spPr bwMode="auto">
+          <a:xfrm>
+            <a:off x="1457432" y="482600"/>
+            <a:ext cx="6229135" cy="4178299"/>
+          </a:xfrm>
+          <a:prstGeom prst="rect">
+            <a:avLst/>
+          </a:prstGeom>
+          <a:ln>
+            <a:noFill/>
+          </a:ln>
+          <a:extLst>
+            <a:ext uri="{53640926-AAD7-44D8-BBD7-CCE9431645EC}">
+              <a14:shadowObscured xmlns:a14="http://schemas.microsoft.com/office/drawing/2010/main"/>
+            </a:ext>
+          </a:extLst>
+        </p:spPr>
+      </p:pic>
+      <p:sp>
+        <p:nvSpPr>
+          <p:cNvPr id="19" name="Isosceles Triangle 18">
+            <a:extLst>
+              <a:ext uri="{FF2B5EF4-FFF2-40B4-BE49-F238E27FC236}">
+                <a16:creationId xmlns:a16="http://schemas.microsoft.com/office/drawing/2014/main" id="{3ECA69A1-7536-43AC-85EF-C7106179F5ED}"/>
+              </a:ext>
+              <a:ext uri="{C183D7F6-B498-43B3-948B-1728B52AA6E4}">
+                <adec:decorative xmlns:adec="http://schemas.microsoft.com/office/drawing/2017/decorative" val="1"/>
+              </a:ext>
+            </a:extLst>
+          </p:cNvPr>
+          <p:cNvSpPr>
+            <a:spLocks noGrp="1" noRot="1" noChangeAspect="1" noMove="1" noResize="1" noEditPoints="1" noAdjustHandles="1" noChangeArrowheads="1" noChangeShapeType="1" noTextEdit="1"/>
+          </p:cNvSpPr>
+          <p:nvPr>
+            <p:extLst>
+              <p:ext uri="{386F3935-93C4-4BCD-93E2-E3B085C9AB24}">
+                <p16:designElem xmlns:p16="http://schemas.microsoft.com/office/powerpoint/2015/main" val="1"/>
+              </p:ext>
+            </p:extLst>
+          </p:nvPr>
+        </p:nvSpPr>
+        <p:spPr>
+          <a:xfrm flipH="1">
+            <a:off x="5703060" y="4839857"/>
+            <a:ext cx="611177" cy="303643"/>
+          </a:xfrm>
+          <a:prstGeom prst="triangle">
+            <a:avLst/>
+          </a:prstGeom>
+          <a:solidFill>
+            <a:schemeClr val="accent1">
+              <a:alpha val="30000"/>
+            </a:schemeClr>
+          </a:solidFill>
+          <a:ln>
+            <a:noFill/>
+          </a:ln>
+        </p:spPr>
+        <p:style>
+          <a:lnRef idx="2">
+            <a:schemeClr val="accent1">
+              <a:shade val="50000"/>
+            </a:schemeClr>
+          </a:lnRef>
+          <a:fillRef idx="1">
+            <a:schemeClr val="accent1"/>
+          </a:fillRef>
+          <a:effectRef idx="0">
+            <a:schemeClr val="accent1"/>
+          </a:effectRef>
+          <a:fontRef idx="minor">
+            <a:schemeClr val="lt1"/>
+          </a:fontRef>
+        </p:style>
+        <p:txBody>
+          <a:bodyPr rtlCol="0" anchor="ctr"/>
+          <a:lstStyle/>
+          <a:p>
+            <a:pPr algn="ctr"/>
+            <a:endParaRPr lang="en-US"/>
+          </a:p>
+        </p:txBody>
+      </p:sp>
+    </p:spTree>
+    <p:extLst>
+      <p:ext uri="{BB962C8B-B14F-4D97-AF65-F5344CB8AC3E}">
+        <p14:creationId xmlns:p14="http://schemas.microsoft.com/office/powerpoint/2010/main" val="1263913241"/>
+      </p:ext>
+    </p:extLst>
+  </p:cSld>
+  <p:clrMapOvr>
+    <a:masterClrMapping/>
+  </p:clrMapOvr>
+</p:sld>
+</file>
+
+<file path=ppt/slides/slide7.xml><?xml version="1.0" encoding="utf-8"?>
+<p:sld xmlns:a="http://schemas.openxmlformats.org/drawingml/2006/main" xmlns:r="http://schemas.openxmlformats.org/officeDocument/2006/relationships" xmlns:p="http://schemas.openxmlformats.org/presentationml/2006/main">
   <p:cSld name="Slide 6">
     <p:bg>
       <p:bgPr>
@@ -7318,7 +9344,356 @@
 </p:sld>
 </file>
 
-<file path=ppt/slides/slide7.xml><?xml version="1.0" encoding="utf-8"?>
+<file path=ppt/slides/slide8.xml><?xml version="1.0" encoding="utf-8"?>
+<p:sld xmlns:a="http://schemas.openxmlformats.org/drawingml/2006/main" xmlns:r="http://schemas.openxmlformats.org/officeDocument/2006/relationships" xmlns:p="http://schemas.openxmlformats.org/presentationml/2006/main">
+  <p:cSld>
+    <p:bg>
+      <p:bgPr>
+        <a:solidFill>
+          <a:schemeClr val="bg1"/>
+        </a:solidFill>
+        <a:effectLst/>
+      </p:bgPr>
+    </p:bg>
+    <p:spTree>
+      <p:nvGrpSpPr>
+        <p:cNvPr id="1" name=""/>
+        <p:cNvGrpSpPr/>
+        <p:nvPr/>
+      </p:nvGrpSpPr>
+      <p:grpSpPr>
+        <a:xfrm>
+          <a:off x="0" y="0"/>
+          <a:ext cx="0" cy="0"/>
+          <a:chOff x="0" y="0"/>
+          <a:chExt cx="0" cy="0"/>
+        </a:xfrm>
+      </p:grpSpPr>
+      <p:sp>
+        <p:nvSpPr>
+          <p:cNvPr id="8" name="Rectangle 7">
+            <a:extLst>
+              <a:ext uri="{FF2B5EF4-FFF2-40B4-BE49-F238E27FC236}">
+                <a16:creationId xmlns:a16="http://schemas.microsoft.com/office/drawing/2014/main" id="{A9F529C3-C941-49FD-8C67-82F134F64BDB}"/>
+              </a:ext>
+              <a:ext uri="{C183D7F6-B498-43B3-948B-1728B52AA6E4}">
+                <adec:decorative xmlns:adec="http://schemas.microsoft.com/office/drawing/2017/decorative" val="1"/>
+              </a:ext>
+            </a:extLst>
+          </p:cNvPr>
+          <p:cNvSpPr>
+            <a:spLocks noGrp="1" noRot="1" noChangeAspect="1" noMove="1" noResize="1" noEditPoints="1" noAdjustHandles="1" noChangeArrowheads="1" noChangeShapeType="1" noTextEdit="1"/>
+          </p:cNvSpPr>
+          <p:nvPr>
+            <p:extLst>
+              <p:ext uri="{386F3935-93C4-4BCD-93E2-E3B085C9AB24}">
+                <p16:designElem xmlns:p16="http://schemas.microsoft.com/office/powerpoint/2015/main" val="1"/>
+              </p:ext>
+            </p:extLst>
+          </p:nvPr>
+        </p:nvSpPr>
+        <p:spPr>
+          <a:xfrm>
+            <a:off x="0" y="0"/>
+            <a:ext cx="9144000" cy="5143500"/>
+          </a:xfrm>
+          <a:prstGeom prst="rect">
+            <a:avLst/>
+          </a:prstGeom>
+          <a:solidFill>
+            <a:schemeClr val="tx1">
+              <a:lumMod val="50000"/>
+              <a:lumOff val="50000"/>
+              <a:alpha val="30000"/>
+            </a:schemeClr>
+          </a:solidFill>
+          <a:ln>
+            <a:noFill/>
+          </a:ln>
+        </p:spPr>
+        <p:style>
+          <a:lnRef idx="2">
+            <a:schemeClr val="accent1">
+              <a:shade val="50000"/>
+            </a:schemeClr>
+          </a:lnRef>
+          <a:fillRef idx="1">
+            <a:schemeClr val="accent1"/>
+          </a:fillRef>
+          <a:effectRef idx="0">
+            <a:schemeClr val="accent1"/>
+          </a:effectRef>
+          <a:fontRef idx="minor">
+            <a:schemeClr val="lt1"/>
+          </a:fontRef>
+        </p:style>
+        <p:txBody>
+          <a:bodyPr rtlCol="0" anchor="ctr"/>
+          <a:lstStyle/>
+          <a:p>
+            <a:pPr algn="ctr"/>
+            <a:endParaRPr lang="en-US"/>
+          </a:p>
+        </p:txBody>
+      </p:sp>
+      <p:sp>
+        <p:nvSpPr>
+          <p:cNvPr id="10" name="Rectangle 9">
+            <a:extLst>
+              <a:ext uri="{FF2B5EF4-FFF2-40B4-BE49-F238E27FC236}">
+                <a16:creationId xmlns:a16="http://schemas.microsoft.com/office/drawing/2014/main" id="{20586029-32A0-47E5-9AEC-AE3ABA6B94D0}"/>
+              </a:ext>
+              <a:ext uri="{C183D7F6-B498-43B3-948B-1728B52AA6E4}">
+                <adec:decorative xmlns:adec="http://schemas.microsoft.com/office/drawing/2017/decorative" val="1"/>
+              </a:ext>
+            </a:extLst>
+          </p:cNvPr>
+          <p:cNvSpPr>
+            <a:spLocks noGrp="1" noRot="1" noChangeAspect="1" noMove="1" noResize="1" noEditPoints="1" noAdjustHandles="1" noChangeArrowheads="1" noChangeShapeType="1" noTextEdit="1"/>
+          </p:cNvSpPr>
+          <p:nvPr>
+            <p:extLst>
+              <p:ext uri="{386F3935-93C4-4BCD-93E2-E3B085C9AB24}">
+                <p16:designElem xmlns:p16="http://schemas.microsoft.com/office/powerpoint/2015/main" val="1"/>
+              </p:ext>
+            </p:extLst>
+          </p:nvPr>
+        </p:nvSpPr>
+        <p:spPr>
+          <a:xfrm>
+            <a:off x="357759" y="360045"/>
+            <a:ext cx="8428482" cy="4423410"/>
+          </a:xfrm>
+          <a:prstGeom prst="rect">
+            <a:avLst/>
+          </a:prstGeom>
+          <a:solidFill>
+            <a:srgbClr val="FFFFFF"/>
+          </a:solidFill>
+          <a:ln w="9525">
+            <a:noFill/>
+          </a:ln>
+          <a:effectLst>
+            <a:outerShdw blurRad="63500" dist="17780" dir="5400000" algn="t" rotWithShape="0">
+              <a:prstClr val="black">
+                <a:alpha val="43000"/>
+              </a:prstClr>
+            </a:outerShdw>
+          </a:effectLst>
+        </p:spPr>
+        <p:style>
+          <a:lnRef idx="2">
+            <a:schemeClr val="accent1">
+              <a:shade val="50000"/>
+            </a:schemeClr>
+          </a:lnRef>
+          <a:fillRef idx="1">
+            <a:schemeClr val="accent1"/>
+          </a:fillRef>
+          <a:effectRef idx="0">
+            <a:schemeClr val="accent1"/>
+          </a:effectRef>
+          <a:fontRef idx="minor">
+            <a:schemeClr val="lt1"/>
+          </a:fontRef>
+        </p:style>
+        <p:txBody>
+          <a:bodyPr rtlCol="0" anchor="ctr"/>
+          <a:lstStyle/>
+          <a:p>
+            <a:pPr algn="ctr"/>
+            <a:endParaRPr lang="en-US"/>
+          </a:p>
+        </p:txBody>
+      </p:sp>
+      <p:pic>
+        <p:nvPicPr>
+          <p:cNvPr id="3" name="Imagen 2" descr="Gráfico&#10;&#10;El contenido generado por IA puede ser incorrecto.">
+            <a:extLst>
+              <a:ext uri="{FF2B5EF4-FFF2-40B4-BE49-F238E27FC236}">
+                <a16:creationId xmlns:a16="http://schemas.microsoft.com/office/drawing/2014/main" id="{7A93718B-8651-4D23-D403-4DB849CC8500}"/>
+              </a:ext>
+            </a:extLst>
+          </p:cNvPr>
+          <p:cNvPicPr>
+            <a:picLocks noChangeAspect="1"/>
+          </p:cNvPicPr>
+          <p:nvPr/>
+        </p:nvPicPr>
+        <p:blipFill>
+          <a:blip r:embed="rId2" cstate="print">
+            <a:extLst>
+              <a:ext uri="{28A0092B-C50C-407E-A947-70E740481C1C}">
+                <a14:useLocalDpi xmlns:a14="http://schemas.microsoft.com/office/drawing/2010/main" val="0"/>
+              </a:ext>
+            </a:extLst>
+          </a:blip>
+          <a:stretch>
+            <a:fillRect/>
+          </a:stretch>
+        </p:blipFill>
+        <p:spPr bwMode="auto">
+          <a:xfrm>
+            <a:off x="523734" y="1588274"/>
+            <a:ext cx="3971037" cy="1896170"/>
+          </a:xfrm>
+          <a:prstGeom prst="rect">
+            <a:avLst/>
+          </a:prstGeom>
+          <a:noFill/>
+        </p:spPr>
+      </p:pic>
+      <p:cxnSp>
+        <p:nvCxnSpPr>
+          <p:cNvPr id="12" name="Straight Connector 11">
+            <a:extLst>
+              <a:ext uri="{FF2B5EF4-FFF2-40B4-BE49-F238E27FC236}">
+                <a16:creationId xmlns:a16="http://schemas.microsoft.com/office/drawing/2014/main" id="{8C730EAB-A532-4295-A302-FB4B90DB9F5E}"/>
+              </a:ext>
+              <a:ext uri="{C183D7F6-B498-43B3-948B-1728B52AA6E4}">
+                <adec:decorative xmlns:adec="http://schemas.microsoft.com/office/drawing/2017/decorative" val="1"/>
+              </a:ext>
+            </a:extLst>
+          </p:cNvPr>
+          <p:cNvCxnSpPr>
+            <a:cxnSpLocks noGrp="1" noRot="1" noChangeAspect="1" noMove="1" noResize="1" noEditPoints="1" noAdjustHandles="1" noChangeArrowheads="1" noChangeShapeType="1"/>
+          </p:cNvCxnSpPr>
+          <p:nvPr>
+            <p:extLst>
+              <p:ext uri="{386F3935-93C4-4BCD-93E2-E3B085C9AB24}">
+                <p16:designElem xmlns:p16="http://schemas.microsoft.com/office/powerpoint/2015/main" val="1"/>
+              </p:ext>
+            </p:extLst>
+          </p:nvPr>
+        </p:nvCxnSpPr>
+        <p:spPr>
+          <a:xfrm>
+            <a:off x="4559968" y="857250"/>
+            <a:ext cx="0" cy="3429000"/>
+          </a:xfrm>
+          <a:prstGeom prst="line">
+            <a:avLst/>
+          </a:prstGeom>
+          <a:ln>
+            <a:solidFill>
+              <a:srgbClr val="4E4E4E"/>
+            </a:solidFill>
+          </a:ln>
+        </p:spPr>
+        <p:style>
+          <a:lnRef idx="1">
+            <a:schemeClr val="accent1"/>
+          </a:lnRef>
+          <a:fillRef idx="0">
+            <a:schemeClr val="accent1"/>
+          </a:fillRef>
+          <a:effectRef idx="0">
+            <a:schemeClr val="accent1"/>
+          </a:effectRef>
+          <a:fontRef idx="minor">
+            <a:schemeClr val="tx1"/>
+          </a:fontRef>
+        </p:style>
+      </p:cxnSp>
+      <p:pic>
+        <p:nvPicPr>
+          <p:cNvPr id="2" name="Imagen 1" descr="Gráfico&#10;&#10;El contenido generado por IA puede ser incorrecto.">
+            <a:extLst>
+              <a:ext uri="{FF2B5EF4-FFF2-40B4-BE49-F238E27FC236}">
+                <a16:creationId xmlns:a16="http://schemas.microsoft.com/office/drawing/2014/main" id="{241A5F10-EF20-2176-D679-F305BBD2F349}"/>
+              </a:ext>
+            </a:extLst>
+          </p:cNvPr>
+          <p:cNvPicPr>
+            <a:picLocks noChangeAspect="1"/>
+          </p:cNvPicPr>
+          <p:nvPr/>
+        </p:nvPicPr>
+        <p:blipFill>
+          <a:blip r:embed="rId3" cstate="print">
+            <a:extLst>
+              <a:ext uri="{28A0092B-C50C-407E-A947-70E740481C1C}">
+                <a14:useLocalDpi xmlns:a14="http://schemas.microsoft.com/office/drawing/2010/main" val="0"/>
+              </a:ext>
+            </a:extLst>
+          </a:blip>
+          <a:stretch>
+            <a:fillRect/>
+          </a:stretch>
+        </p:blipFill>
+        <p:spPr bwMode="auto">
+          <a:xfrm>
+            <a:off x="4690362" y="1544244"/>
+            <a:ext cx="3971037" cy="2055011"/>
+          </a:xfrm>
+          <a:prstGeom prst="rect">
+            <a:avLst/>
+          </a:prstGeom>
+          <a:noFill/>
+        </p:spPr>
+      </p:pic>
+      <p:sp>
+        <p:nvSpPr>
+          <p:cNvPr id="4" name="Rectángulo 3">
+            <a:extLst>
+              <a:ext uri="{FF2B5EF4-FFF2-40B4-BE49-F238E27FC236}">
+                <a16:creationId xmlns:a16="http://schemas.microsoft.com/office/drawing/2014/main" id="{ADD2A18B-A5C2-196C-DFDC-3C5D428F1CBE}"/>
+              </a:ext>
+            </a:extLst>
+          </p:cNvPr>
+          <p:cNvSpPr/>
+          <p:nvPr/>
+        </p:nvSpPr>
+        <p:spPr>
+          <a:xfrm>
+            <a:off x="3152391" y="4286250"/>
+            <a:ext cx="2863284" cy="253916"/>
+          </a:xfrm>
+          <a:prstGeom prst="rect">
+            <a:avLst/>
+          </a:prstGeom>
+          <a:noFill/>
+        </p:spPr>
+        <p:txBody>
+          <a:bodyPr wrap="none" lIns="91440" tIns="45720" rIns="91440" bIns="45720">
+            <a:spAutoFit/>
+          </a:bodyPr>
+          <a:lstStyle/>
+          <a:p>
+            <a:pPr algn="ctr"/>
+            <a:r>
+              <a:rPr lang="es-ES" sz="1050" b="0" cap="none" spc="0" dirty="0">
+                <a:ln w="0"/>
+                <a:solidFill>
+                  <a:schemeClr val="tx1"/>
+                </a:solidFill>
+                <a:effectLst>
+                  <a:outerShdw blurRad="38100" dist="19050" dir="2700000" algn="tl" rotWithShape="0">
+                    <a:schemeClr val="dk1">
+                      <a:alpha val="40000"/>
+                    </a:schemeClr>
+                  </a:outerShdw>
+                </a:effectLst>
+              </a:rPr>
+              <a:t>Voltaje nominal batería-SOC y Corriente de carga</a:t>
+            </a:r>
+          </a:p>
+        </p:txBody>
+      </p:sp>
+    </p:spTree>
+    <p:extLst>
+      <p:ext uri="{BB962C8B-B14F-4D97-AF65-F5344CB8AC3E}">
+        <p14:creationId xmlns:p14="http://schemas.microsoft.com/office/powerpoint/2010/main" val="2317805474"/>
+      </p:ext>
+    </p:extLst>
+  </p:cSld>
+  <p:clrMapOvr>
+    <a:masterClrMapping/>
+  </p:clrMapOvr>
+</p:sld>
+</file>
+
+<file path=ppt/slides/slide9.xml><?xml version="1.0" encoding="utf-8"?>
 <p:sld xmlns:a="http://schemas.openxmlformats.org/drawingml/2006/main" xmlns:r="http://schemas.openxmlformats.org/officeDocument/2006/relationships" xmlns:p="http://schemas.openxmlformats.org/presentationml/2006/main">
   <p:cSld name="Slide 7">
     <p:bg>
@@ -8435,1035 +10810,6 @@
               <a:t>✓ Respuesta dinámica excelente</a:t>
             </a:r>
             <a:endParaRPr lang="en-US" sz="1200" dirty="0"/>
-          </a:p>
-        </p:txBody>
-      </p:sp>
-    </p:spTree>
-  </p:cSld>
-  <p:clrMapOvr>
-    <a:masterClrMapping/>
-  </p:clrMapOvr>
-</p:sld>
-</file>
-
-<file path=ppt/slides/slide8.xml><?xml version="1.0" encoding="utf-8"?>
-<p:sld xmlns:a="http://schemas.openxmlformats.org/drawingml/2006/main" xmlns:r="http://schemas.openxmlformats.org/officeDocument/2006/relationships" xmlns:p="http://schemas.openxmlformats.org/presentationml/2006/main">
-  <p:cSld name="Slide 8">
-    <p:bg>
-      <p:bgPr>
-        <a:solidFill>
-          <a:srgbClr val="FFFFFF"/>
-        </a:solidFill>
-        <a:effectLst/>
-      </p:bgPr>
-    </p:bg>
-    <p:spTree>
-      <p:nvGrpSpPr>
-        <p:cNvPr id="1" name=""/>
-        <p:cNvGrpSpPr/>
-        <p:nvPr/>
-      </p:nvGrpSpPr>
-      <p:grpSpPr>
-        <a:xfrm>
-          <a:off x="0" y="0"/>
-          <a:ext cx="0" cy="0"/>
-          <a:chOff x="0" y="0"/>
-          <a:chExt cx="0" cy="0"/>
-        </a:xfrm>
-      </p:grpSpPr>
-      <p:sp>
-        <p:nvSpPr>
-          <p:cNvPr id="2" name="Text 0"/>
-          <p:cNvSpPr/>
-          <p:nvPr/>
-        </p:nvSpPr>
-        <p:spPr>
-          <a:xfrm>
-            <a:off x="457200" y="365760"/>
-            <a:ext cx="8229600" cy="548640"/>
-          </a:xfrm>
-          <a:prstGeom prst="rect">
-            <a:avLst/>
-          </a:prstGeom>
-          <a:noFill/>
-          <a:ln/>
-        </p:spPr>
-        <p:txBody>
-          <a:bodyPr wrap="square" rtlCol="0" anchor="ctr"/>
-          <a:lstStyle/>
-          <a:p>
-            <a:pPr marL="0" indent="0">
-              <a:buNone/>
-            </a:pPr>
-            <a:r>
-              <a:rPr lang="en-US" sz="3600" b="1" dirty="0">
-                <a:solidFill>
-                  <a:srgbClr val="028090"/>
-                </a:solidFill>
-              </a:rPr>
-              <a:t>RESULTADOS DE LA SIMULACIÓN</a:t>
-            </a:r>
-            <a:endParaRPr lang="en-US" sz="3600" dirty="0"/>
-          </a:p>
-        </p:txBody>
-      </p:sp>
-      <p:sp>
-        <p:nvSpPr>
-          <p:cNvPr id="3" name="Text 1"/>
-          <p:cNvSpPr/>
-          <p:nvPr/>
-        </p:nvSpPr>
-        <p:spPr>
-          <a:xfrm>
-            <a:off x="640080" y="1074420"/>
-            <a:ext cx="7863840" cy="320040"/>
-          </a:xfrm>
-          <a:prstGeom prst="rect">
-            <a:avLst/>
-          </a:prstGeom>
-          <a:noFill/>
-          <a:ln/>
-        </p:spPr>
-        <p:txBody>
-          <a:bodyPr wrap="square" rtlCol="0" anchor="ctr"/>
-          <a:lstStyle/>
-          <a:p>
-            <a:pPr marL="0" indent="0">
-              <a:buNone/>
-            </a:pPr>
-            <a:r>
-              <a:rPr lang="en-US" sz="1800" b="1" dirty="0">
-                <a:solidFill>
-                  <a:srgbClr val="014451"/>
-                </a:solidFill>
-              </a:rPr>
-              <a:t>Dinámica del Vehículo</a:t>
-            </a:r>
-            <a:endParaRPr lang="en-US" sz="1800" dirty="0"/>
-          </a:p>
-        </p:txBody>
-      </p:sp>
-      <p:sp>
-        <p:nvSpPr>
-          <p:cNvPr id="4" name="Text 2"/>
-          <p:cNvSpPr/>
-          <p:nvPr/>
-        </p:nvSpPr>
-        <p:spPr>
-          <a:xfrm>
-            <a:off x="914400" y="1505243"/>
-            <a:ext cx="7315200" cy="274320"/>
-          </a:xfrm>
-          <a:prstGeom prst="rect">
-            <a:avLst/>
-          </a:prstGeom>
-          <a:noFill/>
-          <a:ln/>
-        </p:spPr>
-        <p:txBody>
-          <a:bodyPr wrap="square" rtlCol="0" anchor="ctr"/>
-          <a:lstStyle/>
-          <a:p>
-            <a:pPr marL="0" indent="0">
-              <a:buNone/>
-            </a:pPr>
-            <a:r>
-              <a:rPr lang="en-US" sz="1300" dirty="0">
-                <a:solidFill>
-                  <a:srgbClr val="1A1A1A"/>
-                </a:solidFill>
-              </a:rPr>
-              <a:t>✓ Comportamiento coherente en aceleración y frenado</a:t>
-            </a:r>
-            <a:endParaRPr lang="en-US" sz="1300" dirty="0"/>
-          </a:p>
-        </p:txBody>
-      </p:sp>
-      <p:sp>
-        <p:nvSpPr>
-          <p:cNvPr id="5" name="Text 3"/>
-          <p:cNvSpPr/>
-          <p:nvPr/>
-        </p:nvSpPr>
-        <p:spPr>
-          <a:xfrm>
-            <a:off x="914400" y="1749669"/>
-            <a:ext cx="7315200" cy="274320"/>
-          </a:xfrm>
-          <a:prstGeom prst="rect">
-            <a:avLst/>
-          </a:prstGeom>
-          <a:noFill/>
-          <a:ln/>
-        </p:spPr>
-        <p:txBody>
-          <a:bodyPr wrap="square" rtlCol="0" anchor="ctr"/>
-          <a:lstStyle/>
-          <a:p>
-            <a:pPr marL="0" indent="0">
-              <a:buNone/>
-            </a:pPr>
-            <a:r>
-              <a:rPr lang="en-US" sz="1300" dirty="0">
-                <a:solidFill>
-                  <a:srgbClr val="1A1A1A"/>
-                </a:solidFill>
-              </a:rPr>
-              <a:t>✓ Respuesta adecuada del motor a demanda de par</a:t>
-            </a:r>
-            <a:endParaRPr lang="en-US" sz="1300" dirty="0"/>
-          </a:p>
-        </p:txBody>
-      </p:sp>
-      <p:sp>
-        <p:nvSpPr>
-          <p:cNvPr id="6" name="Text 4"/>
-          <p:cNvSpPr/>
-          <p:nvPr/>
-        </p:nvSpPr>
-        <p:spPr>
-          <a:xfrm>
-            <a:off x="914400" y="2023989"/>
-            <a:ext cx="7315200" cy="274320"/>
-          </a:xfrm>
-          <a:prstGeom prst="rect">
-            <a:avLst/>
-          </a:prstGeom>
-          <a:noFill/>
-          <a:ln/>
-        </p:spPr>
-        <p:txBody>
-          <a:bodyPr wrap="square" rtlCol="0" anchor="ctr"/>
-          <a:lstStyle/>
-          <a:p>
-            <a:pPr marL="0" indent="0">
-              <a:buNone/>
-            </a:pPr>
-            <a:r>
-              <a:rPr lang="en-US" sz="1300" dirty="0">
-                <a:solidFill>
-                  <a:srgbClr val="1A1A1A"/>
-                </a:solidFill>
-              </a:rPr>
-              <a:t>✓ Transitorios claramente identificables</a:t>
-            </a:r>
-            <a:endParaRPr lang="en-US" sz="1300" dirty="0"/>
-          </a:p>
-        </p:txBody>
-      </p:sp>
-      <p:sp>
-        <p:nvSpPr>
-          <p:cNvPr id="7" name="Text 5"/>
-          <p:cNvSpPr/>
-          <p:nvPr/>
-        </p:nvSpPr>
-        <p:spPr>
-          <a:xfrm>
-            <a:off x="640080" y="2341392"/>
-            <a:ext cx="7863840" cy="320040"/>
-          </a:xfrm>
-          <a:prstGeom prst="rect">
-            <a:avLst/>
-          </a:prstGeom>
-          <a:noFill/>
-          <a:ln/>
-        </p:spPr>
-        <p:txBody>
-          <a:bodyPr wrap="square" rtlCol="0" anchor="ctr"/>
-          <a:lstStyle/>
-          <a:p>
-            <a:pPr marL="0" indent="0">
-              <a:buNone/>
-            </a:pPr>
-            <a:r>
-              <a:rPr lang="en-US" sz="1800" b="1" dirty="0">
-                <a:solidFill>
-                  <a:srgbClr val="014451"/>
-                </a:solidFill>
-              </a:rPr>
-              <a:t>Sistema de Batería</a:t>
-            </a:r>
-            <a:endParaRPr lang="en-US" sz="1800" dirty="0"/>
-          </a:p>
-        </p:txBody>
-      </p:sp>
-      <p:sp>
-        <p:nvSpPr>
-          <p:cNvPr id="8" name="Text 6"/>
-          <p:cNvSpPr/>
-          <p:nvPr/>
-        </p:nvSpPr>
-        <p:spPr>
-          <a:xfrm>
-            <a:off x="914400" y="2636814"/>
-            <a:ext cx="7315200" cy="274320"/>
-          </a:xfrm>
-          <a:prstGeom prst="rect">
-            <a:avLst/>
-          </a:prstGeom>
-          <a:noFill/>
-          <a:ln/>
-        </p:spPr>
-        <p:txBody>
-          <a:bodyPr wrap="square" rtlCol="0" anchor="ctr"/>
-          <a:lstStyle/>
-          <a:p>
-            <a:pPr marL="0" indent="0">
-              <a:buNone/>
-            </a:pPr>
-            <a:r>
-              <a:rPr lang="en-US" sz="1300" dirty="0">
-                <a:solidFill>
-                  <a:srgbClr val="1A1A1A"/>
-                </a:solidFill>
-              </a:rPr>
-              <a:t>✓ Caída de voltaje consistente con aumento de corriente</a:t>
-            </a:r>
-            <a:endParaRPr lang="en-US" sz="1300" dirty="0"/>
-          </a:p>
-        </p:txBody>
-      </p:sp>
-      <p:sp>
-        <p:nvSpPr>
-          <p:cNvPr id="9" name="Text 7"/>
-          <p:cNvSpPr/>
-          <p:nvPr/>
-        </p:nvSpPr>
-        <p:spPr>
-          <a:xfrm>
-            <a:off x="914400" y="2918607"/>
-            <a:ext cx="7315200" cy="274320"/>
-          </a:xfrm>
-          <a:prstGeom prst="rect">
-            <a:avLst/>
-          </a:prstGeom>
-          <a:noFill/>
-          <a:ln/>
-        </p:spPr>
-        <p:txBody>
-          <a:bodyPr wrap="square" rtlCol="0" anchor="ctr"/>
-          <a:lstStyle/>
-          <a:p>
-            <a:pPr marL="0" indent="0">
-              <a:buNone/>
-            </a:pPr>
-            <a:r>
-              <a:rPr lang="en-US" sz="1300" dirty="0">
-                <a:solidFill>
-                  <a:srgbClr val="1A1A1A"/>
-                </a:solidFill>
-              </a:rPr>
-              <a:t>✓ SOC con disminución progresiva esperada</a:t>
-            </a:r>
-            <a:endParaRPr lang="en-US" sz="1300" dirty="0"/>
-          </a:p>
-        </p:txBody>
-      </p:sp>
-      <p:sp>
-        <p:nvSpPr>
-          <p:cNvPr id="10" name="Text 8"/>
-          <p:cNvSpPr/>
-          <p:nvPr/>
-        </p:nvSpPr>
-        <p:spPr>
-          <a:xfrm>
-            <a:off x="914400" y="3189190"/>
-            <a:ext cx="7315200" cy="274320"/>
-          </a:xfrm>
-          <a:prstGeom prst="rect">
-            <a:avLst/>
-          </a:prstGeom>
-          <a:noFill/>
-          <a:ln/>
-        </p:spPr>
-        <p:txBody>
-          <a:bodyPr wrap="square" rtlCol="0" anchor="ctr"/>
-          <a:lstStyle/>
-          <a:p>
-            <a:pPr marL="0" indent="0">
-              <a:buNone/>
-            </a:pPr>
-            <a:r>
-              <a:rPr lang="en-US" sz="1300" dirty="0">
-                <a:solidFill>
-                  <a:srgbClr val="1A1A1A"/>
-                </a:solidFill>
-              </a:rPr>
-              <a:t>✓ Temperatura estable durante la simulación</a:t>
-            </a:r>
-            <a:endParaRPr lang="en-US" sz="1300" dirty="0"/>
-          </a:p>
-        </p:txBody>
-      </p:sp>
-      <p:sp>
-        <p:nvSpPr>
-          <p:cNvPr id="11" name="Text 9"/>
-          <p:cNvSpPr/>
-          <p:nvPr/>
-        </p:nvSpPr>
-        <p:spPr>
-          <a:xfrm>
-            <a:off x="640080" y="3543959"/>
-            <a:ext cx="7863840" cy="320040"/>
-          </a:xfrm>
-          <a:prstGeom prst="rect">
-            <a:avLst/>
-          </a:prstGeom>
-          <a:noFill/>
-          <a:ln/>
-        </p:spPr>
-        <p:txBody>
-          <a:bodyPr wrap="square" rtlCol="0" anchor="ctr"/>
-          <a:lstStyle/>
-          <a:p>
-            <a:pPr marL="0" indent="0">
-              <a:buNone/>
-            </a:pPr>
-            <a:r>
-              <a:rPr lang="en-US" sz="1800" b="1" dirty="0">
-                <a:solidFill>
-                  <a:srgbClr val="014451"/>
-                </a:solidFill>
-              </a:rPr>
-              <a:t>Motor Eléctrico</a:t>
-            </a:r>
-            <a:endParaRPr lang="en-US" sz="1800" dirty="0"/>
-          </a:p>
-        </p:txBody>
-      </p:sp>
-      <p:sp>
-        <p:nvSpPr>
-          <p:cNvPr id="12" name="Text 10"/>
-          <p:cNvSpPr/>
-          <p:nvPr/>
-        </p:nvSpPr>
-        <p:spPr>
-          <a:xfrm>
-            <a:off x="914400" y="3863999"/>
-            <a:ext cx="7315200" cy="274320"/>
-          </a:xfrm>
-          <a:prstGeom prst="rect">
-            <a:avLst/>
-          </a:prstGeom>
-          <a:noFill/>
-          <a:ln/>
-        </p:spPr>
-        <p:txBody>
-          <a:bodyPr wrap="square" rtlCol="0" anchor="ctr"/>
-          <a:lstStyle/>
-          <a:p>
-            <a:pPr marL="0" indent="0">
-              <a:buNone/>
-            </a:pPr>
-            <a:r>
-              <a:rPr lang="en-US" sz="1300" dirty="0">
-                <a:solidFill>
-                  <a:srgbClr val="1A1A1A"/>
-                </a:solidFill>
-              </a:rPr>
-              <a:t>✓ Control V/f efectivo para arranque suave</a:t>
-            </a:r>
-            <a:endParaRPr lang="en-US" sz="1300" dirty="0"/>
-          </a:p>
-        </p:txBody>
-      </p:sp>
-      <p:sp>
-        <p:nvSpPr>
-          <p:cNvPr id="13" name="Text 11"/>
-          <p:cNvSpPr/>
-          <p:nvPr/>
-        </p:nvSpPr>
-        <p:spPr>
-          <a:xfrm>
-            <a:off x="914400" y="4138319"/>
-            <a:ext cx="7315200" cy="274320"/>
-          </a:xfrm>
-          <a:prstGeom prst="rect">
-            <a:avLst/>
-          </a:prstGeom>
-          <a:noFill/>
-          <a:ln/>
-        </p:spPr>
-        <p:txBody>
-          <a:bodyPr wrap="square" rtlCol="0" anchor="ctr"/>
-          <a:lstStyle/>
-          <a:p>
-            <a:pPr marL="0" indent="0">
-              <a:buNone/>
-            </a:pPr>
-            <a:r>
-              <a:rPr lang="en-US" sz="1300" dirty="0">
-                <a:solidFill>
-                  <a:srgbClr val="1A1A1A"/>
-                </a:solidFill>
-              </a:rPr>
-              <a:t>✓ Relación par-velocidad-potencia coherente</a:t>
-            </a:r>
-            <a:endParaRPr lang="en-US" sz="1300" dirty="0"/>
-          </a:p>
-        </p:txBody>
-      </p:sp>
-      <p:sp>
-        <p:nvSpPr>
-          <p:cNvPr id="14" name="Text 12"/>
-          <p:cNvSpPr/>
-          <p:nvPr/>
-        </p:nvSpPr>
-        <p:spPr>
-          <a:xfrm>
-            <a:off x="914400" y="4412639"/>
-            <a:ext cx="7315200" cy="274320"/>
-          </a:xfrm>
-          <a:prstGeom prst="rect">
-            <a:avLst/>
-          </a:prstGeom>
-          <a:noFill/>
-          <a:ln/>
-        </p:spPr>
-        <p:txBody>
-          <a:bodyPr wrap="square" rtlCol="0" anchor="ctr"/>
-          <a:lstStyle/>
-          <a:p>
-            <a:pPr marL="0" indent="0">
-              <a:buNone/>
-            </a:pPr>
-            <a:r>
-              <a:rPr lang="en-US" sz="1300" dirty="0">
-                <a:solidFill>
-                  <a:srgbClr val="1A1A1A"/>
-                </a:solidFill>
-              </a:rPr>
-              <a:t>✓ Respuesta dinámica adecuada a cambios de carga</a:t>
-            </a:r>
-            <a:endParaRPr lang="en-US" sz="1300" dirty="0"/>
-          </a:p>
-        </p:txBody>
-      </p:sp>
-    </p:spTree>
-  </p:cSld>
-  <p:clrMapOvr>
-    <a:masterClrMapping/>
-  </p:clrMapOvr>
-</p:sld>
-</file>
-
-<file path=ppt/slides/slide9.xml><?xml version="1.0" encoding="utf-8"?>
-<p:sld xmlns:a="http://schemas.openxmlformats.org/drawingml/2006/main" xmlns:r="http://schemas.openxmlformats.org/officeDocument/2006/relationships" xmlns:p="http://schemas.openxmlformats.org/presentationml/2006/main">
-  <p:cSld name="Slide 9">
-    <p:bg>
-      <p:bgPr>
-        <a:solidFill>
-          <a:srgbClr val="FFFFFF"/>
-        </a:solidFill>
-        <a:effectLst/>
-      </p:bgPr>
-    </p:bg>
-    <p:spTree>
-      <p:nvGrpSpPr>
-        <p:cNvPr id="1" name=""/>
-        <p:cNvGrpSpPr/>
-        <p:nvPr/>
-      </p:nvGrpSpPr>
-      <p:grpSpPr>
-        <a:xfrm>
-          <a:off x="0" y="0"/>
-          <a:ext cx="0" cy="0"/>
-          <a:chOff x="0" y="0"/>
-          <a:chExt cx="0" cy="0"/>
-        </a:xfrm>
-      </p:grpSpPr>
-      <p:sp>
-        <p:nvSpPr>
-          <p:cNvPr id="2" name="Text 0"/>
-          <p:cNvSpPr/>
-          <p:nvPr/>
-        </p:nvSpPr>
-        <p:spPr>
-          <a:xfrm>
-            <a:off x="457200" y="365760"/>
-            <a:ext cx="8229600" cy="548640"/>
-          </a:xfrm>
-          <a:prstGeom prst="rect">
-            <a:avLst/>
-          </a:prstGeom>
-          <a:noFill/>
-          <a:ln/>
-        </p:spPr>
-        <p:txBody>
-          <a:bodyPr wrap="square" rtlCol="0" anchor="ctr"/>
-          <a:lstStyle/>
-          <a:p>
-            <a:pPr marL="0" indent="0">
-              <a:buNone/>
-            </a:pPr>
-            <a:r>
-              <a:rPr lang="en-US" sz="3600" b="1" dirty="0">
-                <a:solidFill>
-                  <a:srgbClr val="028090"/>
-                </a:solidFill>
-              </a:rPr>
-              <a:t>ANÁLISIS Y VALIDACIÓN</a:t>
-            </a:r>
-            <a:endParaRPr lang="en-US" sz="3600" dirty="0"/>
-          </a:p>
-        </p:txBody>
-      </p:sp>
-      <p:sp>
-        <p:nvSpPr>
-          <p:cNvPr id="3" name="Text 1"/>
-          <p:cNvSpPr/>
-          <p:nvPr/>
-        </p:nvSpPr>
-        <p:spPr>
-          <a:xfrm>
-            <a:off x="457200" y="1188720"/>
-            <a:ext cx="4114800" cy="365760"/>
-          </a:xfrm>
-          <a:prstGeom prst="rect">
-            <a:avLst/>
-          </a:prstGeom>
-          <a:noFill/>
-          <a:ln/>
-        </p:spPr>
-        <p:txBody>
-          <a:bodyPr wrap="square" rtlCol="0" anchor="ctr"/>
-          <a:lstStyle/>
-          <a:p>
-            <a:pPr marL="0" indent="0">
-              <a:buNone/>
-            </a:pPr>
-            <a:r>
-              <a:rPr lang="en-US" sz="2000" b="1" dirty="0">
-                <a:solidFill>
-                  <a:srgbClr val="014451"/>
-                </a:solidFill>
-              </a:rPr>
-              <a:t>Consistencia del Modelo</a:t>
-            </a:r>
-            <a:endParaRPr lang="en-US" sz="2000" dirty="0"/>
-          </a:p>
-        </p:txBody>
-      </p:sp>
-      <p:sp>
-        <p:nvSpPr>
-          <p:cNvPr id="4" name="Text 2"/>
-          <p:cNvSpPr/>
-          <p:nvPr/>
-        </p:nvSpPr>
-        <p:spPr>
-          <a:xfrm>
-            <a:off x="640080" y="1554480"/>
-            <a:ext cx="3657600" cy="365760"/>
-          </a:xfrm>
-          <a:prstGeom prst="rect">
-            <a:avLst/>
-          </a:prstGeom>
-          <a:noFill/>
-          <a:ln/>
-        </p:spPr>
-        <p:txBody>
-          <a:bodyPr wrap="square" rtlCol="0" anchor="ctr"/>
-          <a:lstStyle/>
-          <a:p>
-            <a:pPr marL="0" indent="0">
-              <a:buNone/>
-            </a:pPr>
-            <a:r>
-              <a:rPr lang="en-US" sz="1300" dirty="0">
-                <a:solidFill>
-                  <a:srgbClr val="1A1A1A"/>
-                </a:solidFill>
-              </a:rPr>
-              <a:t>• Variables eléctricas coherentes con mecánicas</a:t>
-            </a:r>
-            <a:endParaRPr lang="en-US" sz="1300" dirty="0"/>
-          </a:p>
-        </p:txBody>
-      </p:sp>
-      <p:sp>
-        <p:nvSpPr>
-          <p:cNvPr id="5" name="Text 3"/>
-          <p:cNvSpPr/>
-          <p:nvPr/>
-        </p:nvSpPr>
-        <p:spPr>
-          <a:xfrm>
-            <a:off x="640080" y="1805940"/>
-            <a:ext cx="3657600" cy="365760"/>
-          </a:xfrm>
-          <a:prstGeom prst="rect">
-            <a:avLst/>
-          </a:prstGeom>
-          <a:noFill/>
-          <a:ln/>
-        </p:spPr>
-        <p:txBody>
-          <a:bodyPr wrap="square" rtlCol="0" anchor="ctr"/>
-          <a:lstStyle/>
-          <a:p>
-            <a:pPr marL="0" indent="0">
-              <a:buNone/>
-            </a:pPr>
-            <a:r>
-              <a:rPr lang="en-US" sz="1300" dirty="0">
-                <a:solidFill>
-                  <a:srgbClr val="1A1A1A"/>
-                </a:solidFill>
-              </a:rPr>
-              <a:t>• Interacción batería-inversor-motor validada</a:t>
-            </a:r>
-            <a:endParaRPr lang="en-US" sz="1300" dirty="0"/>
-          </a:p>
-        </p:txBody>
-      </p:sp>
-      <p:sp>
-        <p:nvSpPr>
-          <p:cNvPr id="6" name="Text 4"/>
-          <p:cNvSpPr/>
-          <p:nvPr/>
-        </p:nvSpPr>
-        <p:spPr>
-          <a:xfrm>
-            <a:off x="640080" y="2148840"/>
-            <a:ext cx="3657600" cy="365760"/>
-          </a:xfrm>
-          <a:prstGeom prst="rect">
-            <a:avLst/>
-          </a:prstGeom>
-          <a:noFill/>
-          <a:ln/>
-        </p:spPr>
-        <p:txBody>
-          <a:bodyPr wrap="square" rtlCol="0" anchor="ctr"/>
-          <a:lstStyle/>
-          <a:p>
-            <a:pPr marL="0" indent="0">
-              <a:buNone/>
-            </a:pPr>
-            <a:r>
-              <a:rPr lang="en-US" sz="1300" dirty="0">
-                <a:solidFill>
-                  <a:srgbClr val="1A1A1A"/>
-                </a:solidFill>
-              </a:rPr>
-              <a:t>• Comportamiento energético físicamente consistente</a:t>
-            </a:r>
-            <a:endParaRPr lang="en-US" sz="1300" dirty="0"/>
-          </a:p>
-        </p:txBody>
-      </p:sp>
-      <p:sp>
-        <p:nvSpPr>
-          <p:cNvPr id="7" name="Text 5"/>
-          <p:cNvSpPr/>
-          <p:nvPr/>
-        </p:nvSpPr>
-        <p:spPr>
-          <a:xfrm>
-            <a:off x="640080" y="2475914"/>
-            <a:ext cx="3657600" cy="365760"/>
-          </a:xfrm>
-          <a:prstGeom prst="rect">
-            <a:avLst/>
-          </a:prstGeom>
-          <a:noFill/>
-          <a:ln/>
-        </p:spPr>
-        <p:txBody>
-          <a:bodyPr wrap="square" rtlCol="0" anchor="ctr"/>
-          <a:lstStyle/>
-          <a:p>
-            <a:pPr marL="0" indent="0">
-              <a:buNone/>
-            </a:pPr>
-            <a:r>
-              <a:rPr lang="en-US" sz="1300" dirty="0">
-                <a:solidFill>
-                  <a:srgbClr val="1A1A1A"/>
-                </a:solidFill>
-              </a:rPr>
-              <a:t>• Respuesta térmica dentro de lo esperado</a:t>
-            </a:r>
-            <a:endParaRPr lang="en-US" sz="1300" dirty="0"/>
-          </a:p>
-        </p:txBody>
-      </p:sp>
-      <p:sp>
-        <p:nvSpPr>
-          <p:cNvPr id="8" name="Text 6"/>
-          <p:cNvSpPr/>
-          <p:nvPr/>
-        </p:nvSpPr>
-        <p:spPr>
-          <a:xfrm>
-            <a:off x="5029200" y="1188720"/>
-            <a:ext cx="3657600" cy="365760"/>
-          </a:xfrm>
-          <a:prstGeom prst="rect">
-            <a:avLst/>
-          </a:prstGeom>
-          <a:noFill/>
-          <a:ln/>
-        </p:spPr>
-        <p:txBody>
-          <a:bodyPr wrap="square" rtlCol="0" anchor="ctr"/>
-          <a:lstStyle/>
-          <a:p>
-            <a:pPr marL="0" indent="0">
-              <a:buNone/>
-            </a:pPr>
-            <a:r>
-              <a:rPr lang="en-US" sz="2000" b="1" dirty="0">
-                <a:solidFill>
-                  <a:srgbClr val="014451"/>
-                </a:solidFill>
-              </a:rPr>
-              <a:t>Limitaciones Identificadas</a:t>
-            </a:r>
-            <a:endParaRPr lang="en-US" sz="2000" dirty="0"/>
-          </a:p>
-        </p:txBody>
-      </p:sp>
-      <p:sp>
-        <p:nvSpPr>
-          <p:cNvPr id="9" name="Text 7"/>
-          <p:cNvSpPr/>
-          <p:nvPr/>
-        </p:nvSpPr>
-        <p:spPr>
-          <a:xfrm>
-            <a:off x="5212080" y="1623060"/>
-            <a:ext cx="3291840" cy="365760"/>
-          </a:xfrm>
-          <a:prstGeom prst="rect">
-            <a:avLst/>
-          </a:prstGeom>
-          <a:noFill/>
-          <a:ln/>
-        </p:spPr>
-        <p:txBody>
-          <a:bodyPr wrap="square" rtlCol="0" anchor="ctr"/>
-          <a:lstStyle/>
-          <a:p>
-            <a:pPr marL="0" indent="0">
-              <a:buNone/>
-            </a:pPr>
-            <a:r>
-              <a:rPr lang="en-US" sz="1300" dirty="0">
-                <a:solidFill>
-                  <a:srgbClr val="1A1A1A"/>
-                </a:solidFill>
-              </a:rPr>
-              <a:t>• Configuración de batería adaptada por restricciones de software</a:t>
-            </a:r>
-            <a:endParaRPr lang="en-US" sz="1300" dirty="0"/>
-          </a:p>
-        </p:txBody>
-      </p:sp>
-      <p:sp>
-        <p:nvSpPr>
-          <p:cNvPr id="10" name="Text 8"/>
-          <p:cNvSpPr/>
-          <p:nvPr/>
-        </p:nvSpPr>
-        <p:spPr>
-          <a:xfrm>
-            <a:off x="5212080" y="1945738"/>
-            <a:ext cx="3291840" cy="365760"/>
-          </a:xfrm>
-          <a:prstGeom prst="rect">
-            <a:avLst/>
-          </a:prstGeom>
-          <a:noFill/>
-          <a:ln/>
-        </p:spPr>
-        <p:txBody>
-          <a:bodyPr wrap="square" rtlCol="0" anchor="ctr"/>
-          <a:lstStyle/>
-          <a:p>
-            <a:pPr marL="0" indent="0">
-              <a:buNone/>
-            </a:pPr>
-            <a:r>
-              <a:rPr lang="en-US" sz="1300" dirty="0">
-                <a:solidFill>
-                  <a:srgbClr val="1A1A1A"/>
-                </a:solidFill>
-              </a:rPr>
-              <a:t>• Modelo térmico simplificado</a:t>
-            </a:r>
-            <a:endParaRPr lang="en-US" sz="1300" dirty="0"/>
-          </a:p>
-        </p:txBody>
-      </p:sp>
-      <p:sp>
-        <p:nvSpPr>
-          <p:cNvPr id="11" name="Text 9"/>
-          <p:cNvSpPr/>
-          <p:nvPr/>
-        </p:nvSpPr>
-        <p:spPr>
-          <a:xfrm>
-            <a:off x="5212080" y="2205990"/>
-            <a:ext cx="3291840" cy="365760"/>
-          </a:xfrm>
-          <a:prstGeom prst="rect">
-            <a:avLst/>
-          </a:prstGeom>
-          <a:noFill/>
-          <a:ln/>
-        </p:spPr>
-        <p:txBody>
-          <a:bodyPr wrap="square" rtlCol="0" anchor="ctr"/>
-          <a:lstStyle/>
-          <a:p>
-            <a:pPr marL="0" indent="0">
-              <a:buNone/>
-            </a:pPr>
-            <a:r>
-              <a:rPr lang="en-US" sz="1300" dirty="0">
-                <a:solidFill>
-                  <a:srgbClr val="1A1A1A"/>
-                </a:solidFill>
-              </a:rPr>
-              <a:t>• Control en lazo abierto (V/f básico)</a:t>
-            </a:r>
-            <a:endParaRPr lang="en-US" sz="1300" dirty="0"/>
-          </a:p>
-        </p:txBody>
-      </p:sp>
-      <p:sp>
-        <p:nvSpPr>
-          <p:cNvPr id="12" name="Text 10"/>
-          <p:cNvSpPr/>
-          <p:nvPr/>
-        </p:nvSpPr>
-        <p:spPr>
-          <a:xfrm>
-            <a:off x="5212080" y="2528668"/>
-            <a:ext cx="3291840" cy="365760"/>
-          </a:xfrm>
-          <a:prstGeom prst="rect">
-            <a:avLst/>
-          </a:prstGeom>
-          <a:noFill/>
-          <a:ln/>
-        </p:spPr>
-        <p:txBody>
-          <a:bodyPr wrap="square" rtlCol="0" anchor="ctr"/>
-          <a:lstStyle/>
-          <a:p>
-            <a:pPr marL="0" indent="0">
-              <a:buNone/>
-            </a:pPr>
-            <a:r>
-              <a:rPr lang="en-US" sz="1300" dirty="0">
-                <a:solidFill>
-                  <a:srgbClr val="1A1A1A"/>
-                </a:solidFill>
-              </a:rPr>
-              <a:t>• Datos limitados en ficha técnica del fabricante</a:t>
-            </a:r>
-            <a:endParaRPr lang="en-US" sz="1300" dirty="0"/>
-          </a:p>
-        </p:txBody>
-      </p:sp>
-      <p:sp>
-        <p:nvSpPr>
-          <p:cNvPr id="13" name="Shape 11"/>
-          <p:cNvSpPr/>
-          <p:nvPr/>
-        </p:nvSpPr>
-        <p:spPr>
-          <a:xfrm>
-            <a:off x="457200" y="3058843"/>
-            <a:ext cx="8229600" cy="1558877"/>
-          </a:xfrm>
-          <a:prstGeom prst="rect">
-            <a:avLst/>
-          </a:prstGeom>
-          <a:solidFill>
-            <a:srgbClr val="00A896"/>
-          </a:solidFill>
-          <a:ln/>
-        </p:spPr>
-        <p:txBody>
-          <a:bodyPr/>
-          <a:lstStyle/>
-          <a:p>
-            <a:endParaRPr lang="es-EC"/>
-          </a:p>
-        </p:txBody>
-      </p:sp>
-      <p:sp>
-        <p:nvSpPr>
-          <p:cNvPr id="14" name="Text 12"/>
-          <p:cNvSpPr/>
-          <p:nvPr/>
-        </p:nvSpPr>
-        <p:spPr>
-          <a:xfrm>
-            <a:off x="640080" y="3154681"/>
-            <a:ext cx="7863840" cy="320040"/>
-          </a:xfrm>
-          <a:prstGeom prst="rect">
-            <a:avLst/>
-          </a:prstGeom>
-          <a:noFill/>
-          <a:ln/>
-        </p:spPr>
-        <p:txBody>
-          <a:bodyPr wrap="square" rtlCol="0" anchor="ctr"/>
-          <a:lstStyle/>
-          <a:p>
-            <a:pPr marL="0" indent="0">
-              <a:buNone/>
-            </a:pPr>
-            <a:r>
-              <a:rPr lang="en-US" sz="2000" b="1" dirty="0">
-                <a:solidFill>
-                  <a:srgbClr val="FFFFFF"/>
-                </a:solidFill>
-              </a:rPr>
-              <a:t>VALIDACIÓN DE RESULTADOS</a:t>
-            </a:r>
-            <a:endParaRPr lang="en-US" sz="2000" dirty="0"/>
-          </a:p>
-        </p:txBody>
-      </p:sp>
-      <p:sp>
-        <p:nvSpPr>
-          <p:cNvPr id="15" name="Text 13"/>
-          <p:cNvSpPr/>
-          <p:nvPr/>
-        </p:nvSpPr>
-        <p:spPr>
-          <a:xfrm>
-            <a:off x="640080" y="3566161"/>
-            <a:ext cx="7863840" cy="914400"/>
-          </a:xfrm>
-          <a:prstGeom prst="rect">
-            <a:avLst/>
-          </a:prstGeom>
-          <a:noFill/>
-          <a:ln/>
-        </p:spPr>
-        <p:txBody>
-          <a:bodyPr wrap="square" rtlCol="0" anchor="ctr"/>
-          <a:lstStyle/>
-          <a:p>
-            <a:pPr marL="0" indent="0">
-              <a:buNone/>
-            </a:pPr>
-            <a:r>
-              <a:rPr lang="en-US" sz="1400" dirty="0">
-                <a:solidFill>
-                  <a:srgbClr val="FFFFFF"/>
-                </a:solidFill>
-              </a:rPr>
-              <a:t>Los resultados obtenidos demuestran la utilidad de MATLAB-Simulink como plataforma confiable para análisis preliminar y validación temprana de sistemas de propulsión eléctrica, permitiendo el dimensionamiento y evaluación de componentes antes de la implementación física.</a:t>
-            </a:r>
-            <a:endParaRPr lang="en-US" sz="1400" dirty="0"/>
           </a:p>
         </p:txBody>
       </p:sp>
